--- a/Slides/6 - Dates.pptx
+++ b/Slides/6 - Dates.pptx
@@ -185,6 +185,30 @@
 
 <file path=ppt/changesInfos/changesInfo1.xml><?xml version="1.0" encoding="utf-8"?>
 <pc:chgInfo xmlns:a="http://schemas.openxmlformats.org/drawingml/2006/main" xmlns:r="http://schemas.openxmlformats.org/officeDocument/2006/relationships" xmlns:ac="http://schemas.microsoft.com/office/drawing/2013/main/command" xmlns:pc="http://schemas.microsoft.com/office/powerpoint/2013/main/command">
+  <pc:docChgLst>
+    <pc:chgData name="susan ibach" userId="11074aa641b35c68" providerId="LiveId" clId="{72A56A81-2346-47CB-8ECB-DC80861C14FC}"/>
+    <pc:docChg chg="modSld">
+      <pc:chgData name="susan ibach" userId="11074aa641b35c68" providerId="LiveId" clId="{72A56A81-2346-47CB-8ECB-DC80861C14FC}" dt="2019-06-06T19:06:12.074" v="4" actId="20577"/>
+      <pc:docMkLst>
+        <pc:docMk/>
+      </pc:docMkLst>
+      <pc:sldChg chg="modSp">
+        <pc:chgData name="susan ibach" userId="11074aa641b35c68" providerId="LiveId" clId="{72A56A81-2346-47CB-8ECB-DC80861C14FC}" dt="2019-06-06T19:06:12.074" v="4" actId="20577"/>
+        <pc:sldMkLst>
+          <pc:docMk/>
+          <pc:sldMk cId="1842309144" sldId="283"/>
+        </pc:sldMkLst>
+        <pc:spChg chg="mod">
+          <ac:chgData name="susan ibach" userId="11074aa641b35c68" providerId="LiveId" clId="{72A56A81-2346-47CB-8ECB-DC80861C14FC}" dt="2019-06-06T19:06:12.074" v="4" actId="20577"/>
+          <ac:spMkLst>
+            <pc:docMk/>
+            <pc:sldMk cId="1842309144" sldId="283"/>
+            <ac:spMk id="9" creationId="{00000000-0000-0000-0000-000000000000}"/>
+          </ac:spMkLst>
+        </pc:spChg>
+      </pc:sldChg>
+    </pc:docChg>
+  </pc:docChgLst>
   <pc:docChgLst>
     <pc:chgData name="susan ibach" userId="11074aa641b35c68" providerId="LiveId" clId="{60F360EC-9C55-4BBE-BB08-12417561EC4F}"/>
     <pc:docChg chg="addSld delSld modSld sldOrd modSection">
@@ -387,30 +411,6 @@
       </pc:sldChg>
     </pc:docChg>
   </pc:docChgLst>
-  <pc:docChgLst>
-    <pc:chgData name="susan ibach" userId="11074aa641b35c68" providerId="LiveId" clId="{72A56A81-2346-47CB-8ECB-DC80861C14FC}"/>
-    <pc:docChg chg="modSld">
-      <pc:chgData name="susan ibach" userId="11074aa641b35c68" providerId="LiveId" clId="{72A56A81-2346-47CB-8ECB-DC80861C14FC}" dt="2019-06-06T19:06:12.074" v="4" actId="20577"/>
-      <pc:docMkLst>
-        <pc:docMk/>
-      </pc:docMkLst>
-      <pc:sldChg chg="modSp">
-        <pc:chgData name="susan ibach" userId="11074aa641b35c68" providerId="LiveId" clId="{72A56A81-2346-47CB-8ECB-DC80861C14FC}" dt="2019-06-06T19:06:12.074" v="4" actId="20577"/>
-        <pc:sldMkLst>
-          <pc:docMk/>
-          <pc:sldMk cId="1842309144" sldId="283"/>
-        </pc:sldMkLst>
-        <pc:spChg chg="mod">
-          <ac:chgData name="susan ibach" userId="11074aa641b35c68" providerId="LiveId" clId="{72A56A81-2346-47CB-8ECB-DC80861C14FC}" dt="2019-06-06T19:06:12.074" v="4" actId="20577"/>
-          <ac:spMkLst>
-            <pc:docMk/>
-            <pc:sldMk cId="1842309144" sldId="283"/>
-            <ac:spMk id="9" creationId="{00000000-0000-0000-0000-000000000000}"/>
-          </ac:spMkLst>
-        </pc:spChg>
-      </pc:sldChg>
-    </pc:docChg>
-  </pc:docChgLst>
 </pc:chgInfo>
 </file>
 
@@ -500,7 +500,7 @@
               <a:rPr lang="en-US" smtClean="0">
                 <a:latin typeface="Segoe UI" pitchFamily="34" charset="0"/>
               </a:rPr>
-              <a:t>6/9/2019 7:29 AM</a:t>
+              <a:t>6/9/2019 4:21 PM</a:t>
             </a:fld>
             <a:endParaRPr lang="en-US" dirty="0">
               <a:latin typeface="Segoe UI" pitchFamily="34" charset="0"/>
@@ -778,7 +778,7 @@
           <a:p>
             <a:fld id="{38EEC551-8CDA-4EB6-89BB-2A86C9F091C8}" type="datetime8">
               <a:rPr lang="en-US" smtClean="0"/>
-              <a:t>6/9/2019 7:29 AM</a:t>
+              <a:t>6/9/2019 4:20 PM</a:t>
             </a:fld>
             <a:endParaRPr lang="en-US" dirty="0"/>
           </a:p>
@@ -1112,7 +1112,7 @@
           <a:p>
             <a:fld id="{6108602D-D426-4C00-B215-BFA18C076426}" type="datetime8">
               <a:rPr lang="en-US" smtClean="0"/>
-              <a:t>6/9/2019 7:29 AM</a:t>
+              <a:t>6/9/2019 4:20 PM</a:t>
             </a:fld>
             <a:endParaRPr lang="en-US" dirty="0"/>
           </a:p>
@@ -1277,7 +1277,7 @@
           <a:p>
             <a:fld id="{6108602D-D426-4C00-B215-BFA18C076426}" type="datetime8">
               <a:rPr lang="en-US" smtClean="0"/>
-              <a:t>6/9/2019 7:29 AM</a:t>
+              <a:t>6/9/2019 4:20 PM</a:t>
             </a:fld>
             <a:endParaRPr lang="en-US" dirty="0"/>
           </a:p>
@@ -1442,7 +1442,7 @@
           <a:p>
             <a:fld id="{6108602D-D426-4C00-B215-BFA18C076426}" type="datetime8">
               <a:rPr lang="en-US" smtClean="0"/>
-              <a:t>6/9/2019 7:29 AM</a:t>
+              <a:t>6/9/2019 4:20 PM</a:t>
             </a:fld>
             <a:endParaRPr lang="en-US" dirty="0"/>
           </a:p>
@@ -1607,7 +1607,7 @@
           <a:p>
             <a:fld id="{6108602D-D426-4C00-B215-BFA18C076426}" type="datetime8">
               <a:rPr lang="en-US" smtClean="0"/>
-              <a:t>6/9/2019 7:29 AM</a:t>
+              <a:t>6/9/2019 4:20 PM</a:t>
             </a:fld>
             <a:endParaRPr lang="en-US" dirty="0"/>
           </a:p>
@@ -1772,7 +1772,7 @@
           <a:p>
             <a:fld id="{6108602D-D426-4C00-B215-BFA18C076426}" type="datetime8">
               <a:rPr lang="en-US" smtClean="0"/>
-              <a:t>6/9/2019 7:29 AM</a:t>
+              <a:t>6/9/2019 4:20 PM</a:t>
             </a:fld>
             <a:endParaRPr lang="en-US" dirty="0"/>
           </a:p>
@@ -1937,7 +1937,7 @@
           <a:p>
             <a:fld id="{6108602D-D426-4C00-B215-BFA18C076426}" type="datetime8">
               <a:rPr lang="en-US" smtClean="0"/>
-              <a:t>6/9/2019 7:29 AM</a:t>
+              <a:t>6/9/2019 4:25 PM</a:t>
             </a:fld>
             <a:endParaRPr lang="en-US" dirty="0"/>
           </a:p>
@@ -40255,11 +40255,11 @@
   <p:clrMapOvr>
     <a:masterClrMapping/>
   </p:clrMapOvr>
-  <mc:AlternateContent xmlns:mc="http://schemas.openxmlformats.org/markup-compatibility/2006">
-    <mc:Choice xmlns:p14="http://schemas.microsoft.com/office/powerpoint/2010/main" Requires="p14">
+  <mc:AlternateContent xmlns:mc="http://schemas.openxmlformats.org/markup-compatibility/2006" xmlns:p14="http://schemas.microsoft.com/office/powerpoint/2010/main">
+    <mc:Choice Requires="p14">
       <p:transition p14:dur="10"/>
     </mc:Choice>
-    <mc:Fallback>
+    <mc:Fallback xmlns="">
       <p:transition/>
     </mc:Fallback>
   </mc:AlternateContent>
@@ -40347,7 +40347,7 @@
           <a:p>
             <a:r>
               <a:rPr lang="en-US" dirty="0"/>
-              <a:t>import datetime</a:t>
+              <a:t>from datetime import datetime</a:t>
             </a:r>
           </a:p>
           <a:p>
@@ -40364,7 +40364,7 @@
             </a:r>
             <a:r>
               <a:rPr lang="en-US" dirty="0" err="1"/>
-              <a:t>datetime.datetime.now</a:t>
+              <a:t>datetime.now</a:t>
             </a:r>
             <a:r>
               <a:rPr lang="en-US" dirty="0"/>
@@ -40833,8 +40833,13 @@
           <a:p>
             <a:r>
               <a:rPr lang="en-US" sz="2800" dirty="0"/>
-              <a:t>import datetime</a:t>
+              <a:t>from datetime import datetime, </a:t>
             </a:r>
+            <a:r>
+              <a:rPr lang="en-US" sz="2800" dirty="0" err="1"/>
+              <a:t>timedelta</a:t>
+            </a:r>
+            <a:endParaRPr lang="en-US" sz="2800" dirty="0"/>
           </a:p>
           <a:p>
             <a:r>
@@ -40843,7 +40848,7 @@
             </a:r>
             <a:r>
               <a:rPr lang="en-US" sz="2800" dirty="0" err="1"/>
-              <a:t>datetime.datetime.now</a:t>
+              <a:t>datetime.now</a:t>
             </a:r>
             <a:r>
               <a:rPr lang="en-US" sz="2800" dirty="0"/>
@@ -40920,7 +40925,7 @@
                   <a:srgbClr val="FFFF00"/>
                 </a:highlight>
               </a:rPr>
-              <a:t>datetime.timedelta</a:t>
+              <a:t>timedelta</a:t>
             </a:r>
             <a:r>
               <a:rPr lang="en-US" sz="2800" dirty="0">
@@ -41968,7 +41973,7 @@
         <p:spPr>
           <a:xfrm>
             <a:off x="365760" y="1918975"/>
-            <a:ext cx="11704320" cy="3151632"/>
+            <a:ext cx="11704320" cy="2686889"/>
           </a:xfrm>
         </p:spPr>
         <p:txBody>
@@ -41977,7 +41982,7 @@
           <a:p>
             <a:r>
               <a:rPr lang="en-CA" sz="2800" dirty="0"/>
-              <a:t>import datetime</a:t>
+              <a:t>from datetime import datetime</a:t>
             </a:r>
           </a:p>
           <a:p>
@@ -42028,13 +42033,7 @@
             </a:r>
             <a:r>
               <a:rPr lang="en-CA" sz="2800" dirty="0"/>
-              <a:t> = \</a:t>
-            </a:r>
-          </a:p>
-          <a:p>
-            <a:r>
-              <a:rPr lang="en-CA" sz="2800" dirty="0"/>
-              <a:t>	</a:t>
+              <a:t> = </a:t>
             </a:r>
             <a:r>
               <a:rPr lang="en-CA" sz="2800" dirty="0" err="1">
@@ -42042,7 +42041,7 @@
                   <a:srgbClr val="FFFF00"/>
                 </a:highlight>
               </a:rPr>
-              <a:t>datetime.datetime.strptime</a:t>
+              <a:t>datetime.strptime</a:t>
             </a:r>
             <a:r>
               <a:rPr lang="en-CA" sz="2800" dirty="0">
@@ -42547,7 +42546,7 @@
         <p:spPr>
           <a:xfrm>
             <a:off x="365760" y="1918975"/>
-            <a:ext cx="11704320" cy="4545860"/>
+            <a:ext cx="11704320" cy="3616375"/>
           </a:xfrm>
         </p:spPr>
         <p:txBody>
@@ -42556,8 +42555,13 @@
           <a:p>
             <a:r>
               <a:rPr lang="en-CA" sz="2800" dirty="0"/>
-              <a:t>import datetime</a:t>
+              <a:t>from datetime import datetime, </a:t>
             </a:r>
+            <a:r>
+              <a:rPr lang="en-CA" sz="2800" dirty="0" err="1"/>
+              <a:t>timedelta</a:t>
+            </a:r>
+            <a:endParaRPr lang="en-CA" sz="2800" dirty="0"/>
           </a:p>
           <a:p>
             <a:r>
@@ -42605,17 +42609,11 @@
             </a:r>
             <a:r>
               <a:rPr lang="en-CA" sz="2800" dirty="0"/>
-              <a:t> = \</a:t>
-            </a:r>
-          </a:p>
-          <a:p>
-            <a:r>
-              <a:rPr lang="en-CA" sz="2800" dirty="0"/>
-              <a:t>	</a:t>
+              <a:t> = </a:t>
             </a:r>
             <a:r>
               <a:rPr lang="en-CA" sz="2800" dirty="0" err="1"/>
-              <a:t>datetime.datetime.strptime</a:t>
+              <a:t>datetime.strptime</a:t>
             </a:r>
             <a:r>
               <a:rPr lang="en-CA" sz="2800" dirty="0"/>
@@ -42627,18 +42625,10 @@
                   <a:srgbClr val="C00000"/>
                 </a:solidFill>
               </a:rPr>
-              <a:t>'%d/%m/%</a:t>
+              <a:t>'%d/%m/%Y'</a:t>
             </a:r>
             <a:r>
-              <a:rPr lang="en-CA" sz="2800">
-                <a:solidFill>
-                  <a:srgbClr val="C00000"/>
-                </a:solidFill>
-              </a:rPr>
-              <a:t>Y'</a:t>
-            </a:r>
-            <a:r>
-              <a:rPr lang="en-CA" sz="2800">
+              <a:rPr lang="en-CA" sz="2800" dirty="0">
                 <a:solidFill>
                   <a:schemeClr val="tx1"/>
                 </a:solidFill>
@@ -42674,9 +42664,6 @@
             </a:r>
           </a:p>
           <a:p>
-            <a:endParaRPr lang="en-US" sz="2800" dirty="0"/>
-          </a:p>
-          <a:p>
             <a:r>
               <a:rPr lang="en-US" sz="2800" dirty="0" err="1">
                 <a:highlight>
@@ -42699,7 +42686,7 @@
                   <a:srgbClr val="FFFF00"/>
                 </a:highlight>
               </a:rPr>
-              <a:t>datetime.timedelta</a:t>
+              <a:t>timedelta</a:t>
             </a:r>
             <a:r>
               <a:rPr lang="en-US" sz="2800" dirty="0">
@@ -42792,7 +42779,7 @@
         </p:nvSpPr>
         <p:spPr>
           <a:xfrm>
-            <a:off x="198437" y="5630862"/>
+            <a:off x="198437" y="5402262"/>
             <a:ext cx="11704320" cy="1501950"/>
           </a:xfrm>
           <a:prstGeom prst="rect">
@@ -43227,7 +43214,7 @@
         <p:spPr>
           <a:xfrm>
             <a:off x="365760" y="1918975"/>
-            <a:ext cx="11704320" cy="3151632"/>
+            <a:ext cx="11704320" cy="2686889"/>
           </a:xfrm>
         </p:spPr>
         <p:txBody>
@@ -43236,7 +43223,7 @@
           <a:p>
             <a:r>
               <a:rPr lang="en-CA" sz="2800" dirty="0"/>
-              <a:t>import datetime</a:t>
+              <a:t>from datetime import datetime</a:t>
             </a:r>
           </a:p>
           <a:p>
@@ -43279,17 +43266,11 @@
             </a:r>
             <a:r>
               <a:rPr lang="en-CA" sz="2800" dirty="0"/>
-              <a:t> = \</a:t>
-            </a:r>
-          </a:p>
-          <a:p>
-            <a:r>
-              <a:rPr lang="en-CA" sz="2800" dirty="0"/>
-              <a:t>	</a:t>
+              <a:t> = </a:t>
             </a:r>
             <a:r>
               <a:rPr lang="en-CA" sz="2800" dirty="0" err="1"/>
-              <a:t>datetime.datetime.strptime</a:t>
+              <a:t>datetime.strptime</a:t>
             </a:r>
             <a:r>
               <a:rPr lang="en-CA" sz="2800" dirty="0"/>
@@ -43337,10 +43318,10 @@
       </p:sp>
       <p:sp>
         <p:nvSpPr>
-          <p:cNvPr id="6" name="Text Placeholder 4">
+          <p:cNvPr id="7" name="Text Placeholder 4">
             <a:extLst>
               <a:ext uri="{FF2B5EF4-FFF2-40B4-BE49-F238E27FC236}">
-                <a16:creationId xmlns:a16="http://schemas.microsoft.com/office/drawing/2014/main" id="{4F4D9F13-C119-40D2-9B3B-8DCD9D0EA709}"/>
+                <a16:creationId xmlns:a16="http://schemas.microsoft.com/office/drawing/2014/main" id="{E7A9E57F-2CA8-4543-A0FF-2D564FD32FEA}"/>
               </a:ext>
             </a:extLst>
           </p:cNvPr>
@@ -43877,7 +43858,7 @@
                                           </p:stCondLst>
                                         </p:cTn>
                                         <p:tgtEl>
-                                          <p:spTgt spid="6"/>
+                                          <p:spTgt spid="7"/>
                                         </p:tgtEl>
                                         <p:attrNameLst>
                                           <p:attrName>style.visibility</p:attrName>
@@ -43918,7 +43899,7 @@
       </p:par>
     </p:tnLst>
     <p:bldLst>
-      <p:bldP spid="6" grpId="0" animBg="1"/>
+      <p:bldP spid="7" grpId="0" animBg="1"/>
     </p:bldLst>
   </p:timing>
 </p:sld>
@@ -45065,42 +45046,6 @@
 </file>
 
 <file path=customXml/item1.xml><?xml version="1.0" encoding="utf-8"?>
-<?mso-contentType ?>
-<FormTemplates xmlns="http://schemas.microsoft.com/sharepoint/v3/contenttype/forms">
-  <Display>DocumentLibraryForm</Display>
-  <Edit>DocumentLibraryForm</Edit>
-  <New>DocumentLibraryForm</New>
-</FormTemplates>
-</file>
-
-<file path=customXml/item10.xml><?xml version="1.0" encoding="utf-8"?>
-<Control xmlns="http://schemas.microsoft.com/VisualStudio/2011/storyboarding/control">
-  <Id Name="369f9055-6b6c-48b9-9320-5df2d46c430a" Revision="1" Stencil="7276b9ef-3953-4dce-a89b-ed85f20b8b93" StencilVersion="1.0"/>
-</Control>
-</file>
-
-<file path=customXml/item11.xml><?xml version="1.0" encoding="utf-8"?>
-<Control xmlns="http://schemas.microsoft.com/VisualStudio/2011/storyboarding/control">
-  <Id Name="fb22c541-ded0-47fa-8877-83a4c2d16227" Revision="1" Stencil="7276b9ef-3953-4dce-a89b-ed85f20b8b93" StencilVersion="1.0"/>
-</Control>
-</file>
-
-<file path=customXml/item12.xml><?xml version="1.0" encoding="utf-8"?>
-<Control xmlns="http://schemas.microsoft.com/VisualStudio/2011/storyboarding/control">
-  <Id Name="a2191c86-fc50-4add-948c-129f6b5a88d8" Revision="1" Stencil="7276b9ef-3953-4dce-a89b-ed85f20b8b93" StencilVersion="1.0"/>
-</Control>
-</file>
-
-<file path=customXml/item13.xml><?xml version="1.0" encoding="utf-8"?>
-<?mso-contentType ?>
-<FormTemplates xmlns="http://schemas.microsoft.com/sharepoint/v3/contenttype/forms">
-  <Display>DocumentLibraryForm</Display>
-  <Edit>DocumentLibraryForm</Edit>
-  <New>DocumentLibraryForm</New>
-</FormTemplates>
-</file>
-
-<file path=customXml/item14.xml><?xml version="1.0" encoding="utf-8"?>
 <p:properties xmlns:p="http://schemas.microsoft.com/office/2006/metadata/properties" xmlns:xsi="http://www.w3.org/2001/XMLSchema-instance" xmlns:pc="http://schemas.microsoft.com/office/infopath/2007/PartnerControls">
   <documentManagement>
     <SharedWithUsers xmlns="83cd2334-221a-48c3-9034-bfd1542dfe28">
@@ -45124,7 +45069,49 @@
 </p:properties>
 </file>
 
-<file path=customXml/item15.xml><?xml version="1.0" encoding="utf-8"?>
+<file path=customXml/item10.xml><?xml version="1.0" encoding="utf-8"?>
+<Control xmlns="http://schemas.microsoft.com/VisualStudio/2011/storyboarding/control">
+  <Id Name="fb22c541-ded0-47fa-8877-83a4c2d16227" Revision="1" Stencil="7276b9ef-3953-4dce-a89b-ed85f20b8b93" StencilVersion="1.0"/>
+</Control>
+</file>
+
+<file path=customXml/item11.xml><?xml version="1.0" encoding="utf-8"?>
+<p:properties xmlns:p="http://schemas.microsoft.com/office/2006/metadata/properties" xmlns:xsi="http://www.w3.org/2001/XMLSchema-instance" xmlns:pc="http://schemas.microsoft.com/office/infopath/2007/PartnerControls">
+  <documentManagement>
+    <SharedWithUsers xmlns="83cd2334-221a-48c3-9034-bfd1542dfe28">
+      <UserInfo>
+        <DisplayName>Gilad Turbahn</DisplayName>
+        <AccountId>511</AccountId>
+        <AccountType/>
+      </UserInfo>
+      <UserInfo>
+        <DisplayName>Keith Boyd</DisplayName>
+        <AccountId>993</AccountId>
+        <AccountType/>
+      </UserInfo>
+      <UserInfo>
+        <DisplayName>Christopher Harrison</DisplayName>
+        <AccountId>1176</AccountId>
+        <AccountType/>
+      </UserInfo>
+    </SharedWithUsers>
+  </documentManagement>
+</p:properties>
+</file>
+
+<file path=customXml/item12.xml><?xml version="1.0" encoding="utf-8"?>
+<Control xmlns="http://schemas.microsoft.com/VisualStudio/2011/storyboarding/control">
+  <Id Name="a2191c86-fc50-4add-948c-129f6b5a88d8" Revision="1" Stencil="7276b9ef-3953-4dce-a89b-ed85f20b8b93" StencilVersion="1.0"/>
+</Control>
+</file>
+
+<file path=customXml/item13.xml><?xml version="1.0" encoding="utf-8"?>
+<Control xmlns="http://schemas.microsoft.com/VisualStudio/2011/storyboarding/control">
+  <Id Name="a53d73d2-368b-429e-b817-1324eec1382c" Revision="1" Stencil="7276b9ef-3953-4dce-a89b-ed85f20b8b93" StencilVersion="1.0"/>
+</Control>
+</file>
+
+<file path=customXml/item14.xml><?xml version="1.0" encoding="utf-8"?>
 <?mso-contentType ?>
 <FormTemplates xmlns="http://schemas.microsoft.com/sharepoint/v3/contenttype/forms">
   <Display>DocumentLibraryForm</Display>
@@ -45133,13 +45120,91 @@
 </FormTemplates>
 </file>
 
+<file path=customXml/item15.xml><?xml version="1.0" encoding="utf-8"?>
+<p:properties xmlns:p="http://schemas.microsoft.com/office/2006/metadata/properties" xmlns:xsi="http://www.w3.org/2001/XMLSchema-instance" xmlns:pc="http://schemas.microsoft.com/office/infopath/2007/PartnerControls">
+  <documentManagement>
+    <SharedWithUsers xmlns="83cd2334-221a-48c3-9034-bfd1542dfe28">
+      <UserInfo>
+        <DisplayName>Gilad Turbahn</DisplayName>
+        <AccountId>511</AccountId>
+        <AccountType/>
+      </UserInfo>
+      <UserInfo>
+        <DisplayName>Keith Boyd</DisplayName>
+        <AccountId>993</AccountId>
+        <AccountType/>
+      </UserInfo>
+      <UserInfo>
+        <DisplayName>Christopher Harrison</DisplayName>
+        <AccountId>1176</AccountId>
+        <AccountType/>
+      </UserInfo>
+    </SharedWithUsers>
+  </documentManagement>
+</p:properties>
+</file>
+
 <file path=customXml/item16.xml><?xml version="1.0" encoding="utf-8"?>
+<Control xmlns="http://schemas.microsoft.com/VisualStudio/2011/storyboarding/control">
+  <Id Name="369f9055-6b6c-48b9-9320-5df2d46c430a" Revision="1" Stencil="7276b9ef-3953-4dce-a89b-ed85f20b8b93" StencilVersion="1.0"/>
+</Control>
+</file>
+
+<file path=customXml/item17.xml><?xml version="1.0" encoding="utf-8"?>
+<p:properties xmlns:p="http://schemas.microsoft.com/office/2006/metadata/properties" xmlns:xsi="http://www.w3.org/2001/XMLSchema-instance" xmlns:pc="http://schemas.microsoft.com/office/infopath/2007/PartnerControls">
+  <documentManagement>
+    <SharedWithUsers xmlns="83cd2334-221a-48c3-9034-bfd1542dfe28">
+      <UserInfo>
+        <DisplayName>Gilad Turbahn</DisplayName>
+        <AccountId>511</AccountId>
+        <AccountType/>
+      </UserInfo>
+      <UserInfo>
+        <DisplayName>Keith Boyd</DisplayName>
+        <AccountId>993</AccountId>
+        <AccountType/>
+      </UserInfo>
+      <UserInfo>
+        <DisplayName>Christopher Harrison</DisplayName>
+        <AccountId>1176</AccountId>
+        <AccountType/>
+      </UserInfo>
+    </SharedWithUsers>
+  </documentManagement>
+</p:properties>
+</file>
+
+<file path=customXml/item18.xml><?xml version="1.0" encoding="utf-8"?>
+<Control xmlns="http://schemas.microsoft.com/VisualStudio/2011/storyboarding/control">
+  <Id Name="d69996e1-3d61-4686-9b63-f1b855c596ab" Revision="1" Stencil="7276b9ef-3953-4dce-a89b-ed85f20b8b93" StencilVersion="1.0"/>
+</Control>
+</file>
+
+<file path=customXml/item19.xml><?xml version="1.0" encoding="utf-8"?>
+<Control xmlns="http://schemas.microsoft.com/VisualStudio/2011/storyboarding/control">
+  <Id Name="fb22c541-ded0-47fa-8877-83a4c2d16227" Revision="1" Stencil="7276b9ef-3953-4dce-a89b-ed85f20b8b93" StencilVersion="1.0"/>
+</Control>
+</file>
+
+<file path=customXml/item2.xml><?xml version="1.0" encoding="utf-8"?>
+<Control xmlns="http://schemas.microsoft.com/VisualStudio/2011/storyboarding/control">
+  <Id Name="fb22c541-ded0-47fa-8877-83a4c2d16227" Revision="1" Stencil="7276b9ef-3953-4dce-a89b-ed85f20b8b93" StencilVersion="1.0"/>
+</Control>
+</file>
+
+<file path=customXml/item20.xml><?xml version="1.0" encoding="utf-8"?>
 <Control xmlns="http://schemas.microsoft.com/VisualStudio/2011/storyboarding/control">
   <Id Name="a53d73d2-368b-429e-b817-1324eec1382c" Revision="1" Stencil="7276b9ef-3953-4dce-a89b-ed85f20b8b93" StencilVersion="1.0"/>
 </Control>
 </file>
 
-<file path=customXml/item17.xml><?xml version="1.0" encoding="utf-8"?>
+<file path=customXml/item21.xml><?xml version="1.0" encoding="utf-8"?>
+<Control xmlns="http://schemas.microsoft.com/VisualStudio/2011/storyboarding/control">
+  <Id Name="a2191c86-fc50-4add-948c-129f6b5a88d8" Revision="1" Stencil="7276b9ef-3953-4dce-a89b-ed85f20b8b93" StencilVersion="1.0"/>
+</Control>
+</file>
+
+<file path=customXml/item22.xml><?xml version="1.0" encoding="utf-8"?>
 <ct:contentTypeSchema xmlns:ct="http://schemas.microsoft.com/office/2006/metadata/contentType" xmlns:ma="http://schemas.microsoft.com/office/2006/metadata/properties/metaAttributes" ct:_="" ma:_="" ma:contentTypeName="Document" ma:contentTypeID="0x010100674EDBEC711BD14FBA6FF5C10FEFEAC7" ma:contentTypeVersion="2" ma:contentTypeDescription="Create a new document." ma:contentTypeScope="" ma:versionID="2439c5e21841780d4f192983b535a097">
   <xsd:schema xmlns:xsd="http://www.w3.org/2001/XMLSchema" xmlns:xs="http://www.w3.org/2001/XMLSchema" xmlns:p="http://schemas.microsoft.com/office/2006/metadata/properties" xmlns:ns2="83cd2334-221a-48c3-9034-bfd1542dfe28" targetNamespace="http://schemas.microsoft.com/office/2006/metadata/properties" ma:root="true" ma:fieldsID="2bca9163d8d0b233c3086236a9289b04" ns2:_="">
     <xsd:import namespace="83cd2334-221a-48c3-9034-bfd1542dfe28"/>
@@ -45287,25 +45352,31 @@
 </ct:contentTypeSchema>
 </file>
 
-<file path=customXml/item18.xml><?xml version="1.0" encoding="utf-8"?>
+<file path=customXml/item23.xml><?xml version="1.0" encoding="utf-8"?>
 <Control xmlns="http://schemas.microsoft.com/VisualStudio/2011/storyboarding/control">
   <Id Name="d69996e1-3d61-4686-9b63-f1b855c596ab" Revision="1" Stencil="7276b9ef-3953-4dce-a89b-ed85f20b8b93" StencilVersion="1.0"/>
 </Control>
 </file>
 
-<file path=customXml/item19.xml><?xml version="1.0" encoding="utf-8"?>
+<file path=customXml/item24.xml><?xml version="1.0" encoding="utf-8"?>
+<Control xmlns="http://schemas.microsoft.com/VisualStudio/2011/storyboarding/control">
+  <Id Name="a53d73d2-368b-429e-b817-1324eec1382c" Revision="1" Stencil="7276b9ef-3953-4dce-a89b-ed85f20b8b93" StencilVersion="1.0"/>
+</Control>
+</file>
+
+<file path=customXml/item25.xml><?xml version="1.0" encoding="utf-8"?>
+<Control xmlns="http://schemas.microsoft.com/VisualStudio/2011/storyboarding/control">
+  <Id Name="369f9055-6b6c-48b9-9320-5df2d46c430a" Revision="1" Stencil="7276b9ef-3953-4dce-a89b-ed85f20b8b93" StencilVersion="1.0"/>
+</Control>
+</file>
+
+<file path=customXml/item26.xml><?xml version="1.0" encoding="utf-8"?>
 <Control xmlns="http://schemas.microsoft.com/VisualStudio/2011/storyboarding/control">
   <Id Name="fb22c541-ded0-47fa-8877-83a4c2d16227" Revision="1" Stencil="7276b9ef-3953-4dce-a89b-ed85f20b8b93" StencilVersion="1.0"/>
 </Control>
 </file>
 
-<file path=customXml/item2.xml><?xml version="1.0" encoding="utf-8"?>
-<Control xmlns="http://schemas.microsoft.com/VisualStudio/2011/storyboarding/control">
-  <Id Name="369f9055-6b6c-48b9-9320-5df2d46c430a" Revision="1" Stencil="7276b9ef-3953-4dce-a89b-ed85f20b8b93" StencilVersion="1.0"/>
-</Control>
-</file>
-
-<file path=customXml/item20.xml><?xml version="1.0" encoding="utf-8"?>
+<file path=customXml/item27.xml><?xml version="1.0" encoding="utf-8"?>
 <?mso-contentType ?>
 <FormTemplates xmlns="http://schemas.microsoft.com/sharepoint/v3/contenttype/forms">
   <Display>DocumentLibraryForm</Display>
@@ -45314,7 +45385,13 @@
 </FormTemplates>
 </file>
 
-<file path=customXml/item21.xml><?xml version="1.0" encoding="utf-8"?>
+<file path=customXml/item28.xml><?xml version="1.0" encoding="utf-8"?>
+<Control xmlns="http://schemas.microsoft.com/VisualStudio/2011/storyboarding/control">
+  <Id Name="fb22c541-ded0-47fa-8877-83a4c2d16227" Revision="1" Stencil="7276b9ef-3953-4dce-a89b-ed85f20b8b93" StencilVersion="1.0"/>
+</Control>
+</file>
+
+<file path=customXml/item29.xml><?xml version="1.0" encoding="utf-8"?>
 <?mso-contentType ?>
 <FormTemplates xmlns="http://schemas.microsoft.com/sharepoint/v3/contenttype/forms">
   <Display>DocumentLibraryForm</Display>
@@ -45323,13 +45400,7 @@
 </FormTemplates>
 </file>
 
-<file path=customXml/item22.xml><?xml version="1.0" encoding="utf-8"?>
-<Control xmlns="http://schemas.microsoft.com/VisualStudio/2011/storyboarding/control">
-  <Id Name="a2191c86-fc50-4add-948c-129f6b5a88d8" Revision="1" Stencil="7276b9ef-3953-4dce-a89b-ed85f20b8b93" StencilVersion="1.0"/>
-</Control>
-</file>
-
-<file path=customXml/item23.xml><?xml version="1.0" encoding="utf-8"?>
+<file path=customXml/item3.xml><?xml version="1.0" encoding="utf-8"?>
 <?mso-contentType ?>
 <FormTemplates xmlns="http://schemas.microsoft.com/sharepoint/v3/contenttype/forms">
   <Display>DocumentLibraryForm</Display>
@@ -45338,22 +45409,7 @@
 </FormTemplates>
 </file>
 
-<file path=customXml/item24.xml><?xml version="1.0" encoding="utf-8"?>
-<?mso-contentType ?>
-<FormTemplates xmlns="http://schemas.microsoft.com/sharepoint/v3/contenttype/forms">
-  <Display>DocumentLibraryForm</Display>
-  <Edit>DocumentLibraryForm</Edit>
-  <New>DocumentLibraryForm</New>
-</FormTemplates>
-</file>
-
-<file path=customXml/item25.xml><?xml version="1.0" encoding="utf-8"?>
-<Control xmlns="http://schemas.microsoft.com/VisualStudio/2011/storyboarding/control">
-  <Id Name="d69996e1-3d61-4686-9b63-f1b855c596ab" Revision="1" Stencil="7276b9ef-3953-4dce-a89b-ed85f20b8b93" StencilVersion="1.0"/>
-</Control>
-</file>
-
-<file path=customXml/item26.xml><?xml version="1.0" encoding="utf-8"?>
+<file path=customXml/item30.xml><?xml version="1.0" encoding="utf-8"?>
 <p:properties xmlns:p="http://schemas.microsoft.com/office/2006/metadata/properties" xmlns:xsi="http://www.w3.org/2001/XMLSchema-instance" xmlns:pc="http://schemas.microsoft.com/office/infopath/2007/PartnerControls">
   <documentManagement>
     <SharedWithUsers xmlns="83cd2334-221a-48c3-9034-bfd1542dfe28">
@@ -45377,13 +45433,25 @@
 </p:properties>
 </file>
 
-<file path=customXml/item27.xml><?xml version="1.0" encoding="utf-8"?>
-<Control xmlns="http://schemas.microsoft.com/VisualStudio/2011/storyboarding/control">
-  <Id Name="a53d73d2-368b-429e-b817-1324eec1382c" Revision="1" Stencil="7276b9ef-3953-4dce-a89b-ed85f20b8b93" StencilVersion="1.0"/>
-</Control>
+<file path=customXml/item31.xml><?xml version="1.0" encoding="utf-8"?>
+<?mso-contentType ?>
+<FormTemplates xmlns="http://schemas.microsoft.com/sharepoint/v3/contenttype/forms">
+  <Display>DocumentLibraryForm</Display>
+  <Edit>DocumentLibraryForm</Edit>
+  <New>DocumentLibraryForm</New>
+</FormTemplates>
 </file>
 
-<file path=customXml/item28.xml><?xml version="1.0" encoding="utf-8"?>
+<file path=customXml/item32.xml><?xml version="1.0" encoding="utf-8"?>
+<?mso-contentType ?>
+<FormTemplates xmlns="http://schemas.microsoft.com/sharepoint/v3/contenttype/forms">
+  <Display>DocumentLibraryForm</Display>
+  <Edit>DocumentLibraryForm</Edit>
+  <New>DocumentLibraryForm</New>
+</FormTemplates>
+</file>
+
+<file path=customXml/item33.xml><?xml version="1.0" encoding="utf-8"?>
 <p:properties xmlns:p="http://schemas.microsoft.com/office/2006/metadata/properties" xmlns:xsi="http://www.w3.org/2001/XMLSchema-instance" xmlns:pc="http://schemas.microsoft.com/office/infopath/2007/PartnerControls">
   <documentManagement>
     <SharedWithUsers xmlns="83cd2334-221a-48c3-9034-bfd1542dfe28">
@@ -45407,37 +45475,25 @@
 </p:properties>
 </file>
 
-<file path=customXml/item29.xml><?xml version="1.0" encoding="utf-8"?>
-<p:properties xmlns:p="http://schemas.microsoft.com/office/2006/metadata/properties" xmlns:xsi="http://www.w3.org/2001/XMLSchema-instance" xmlns:pc="http://schemas.microsoft.com/office/infopath/2007/PartnerControls">
-  <documentManagement>
-    <SharedWithUsers xmlns="83cd2334-221a-48c3-9034-bfd1542dfe28">
-      <UserInfo>
-        <DisplayName>Gilad Turbahn</DisplayName>
-        <AccountId>511</AccountId>
-        <AccountType/>
-      </UserInfo>
-      <UserInfo>
-        <DisplayName>Keith Boyd</DisplayName>
-        <AccountId>993</AccountId>
-        <AccountType/>
-      </UserInfo>
-      <UserInfo>
-        <DisplayName>Christopher Harrison</DisplayName>
-        <AccountId>1176</AccountId>
-        <AccountType/>
-      </UserInfo>
-    </SharedWithUsers>
-  </documentManagement>
-</p:properties>
-</file>
-
-<file path=customXml/item3.xml><?xml version="1.0" encoding="utf-8"?>
+<file path=customXml/item34.xml><?xml version="1.0" encoding="utf-8"?>
 <Control xmlns="http://schemas.microsoft.com/VisualStudio/2011/storyboarding/control">
-  <Id Name="a53d73d2-368b-429e-b817-1324eec1382c" Revision="1" Stencil="7276b9ef-3953-4dce-a89b-ed85f20b8b93" StencilVersion="1.0"/>
+  <Id Name="d69996e1-3d61-4686-9b63-f1b855c596ab" Revision="1" Stencil="7276b9ef-3953-4dce-a89b-ed85f20b8b93" StencilVersion="1.0"/>
 </Control>
 </file>
 
-<file path=customXml/item30.xml><?xml version="1.0" encoding="utf-8"?>
+<file path=customXml/item35.xml><?xml version="1.0" encoding="utf-8"?>
+<Control xmlns="http://schemas.microsoft.com/VisualStudio/2011/storyboarding/control">
+  <Id Name="a2191c86-fc50-4add-948c-129f6b5a88d8" Revision="1" Stencil="7276b9ef-3953-4dce-a89b-ed85f20b8b93" StencilVersion="1.0"/>
+</Control>
+</file>
+
+<file path=customXml/item36.xml><?xml version="1.0" encoding="utf-8"?>
+<Control xmlns="http://schemas.microsoft.com/VisualStudio/2011/storyboarding/control">
+  <Id Name="369f9055-6b6c-48b9-9320-5df2d46c430a" Revision="1" Stencil="7276b9ef-3953-4dce-a89b-ed85f20b8b93" StencilVersion="1.0"/>
+</Control>
+</file>
+
+<file path=customXml/item37.xml><?xml version="1.0" encoding="utf-8"?>
 <?mso-contentType ?>
 <FormTemplates xmlns="http://schemas.microsoft.com/sharepoint/v3/contenttype/forms">
   <Display>DocumentLibraryForm</Display>
@@ -45446,114 +45502,15 @@
 </FormTemplates>
 </file>
 
-<file path=customXml/item31.xml><?xml version="1.0" encoding="utf-8"?>
-<?mso-contentType ?>
-<FormTemplates xmlns="http://schemas.microsoft.com/sharepoint/v3/contenttype/forms">
-  <Display>DocumentLibraryForm</Display>
-  <Edit>DocumentLibraryForm</Edit>
-  <New>DocumentLibraryForm</New>
-</FormTemplates>
-</file>
-
-<file path=customXml/item32.xml><?xml version="1.0" encoding="utf-8"?>
-<p:properties xmlns:p="http://schemas.microsoft.com/office/2006/metadata/properties" xmlns:xsi="http://www.w3.org/2001/XMLSchema-instance" xmlns:pc="http://schemas.microsoft.com/office/infopath/2007/PartnerControls">
-  <documentManagement>
-    <SharedWithUsers xmlns="83cd2334-221a-48c3-9034-bfd1542dfe28">
-      <UserInfo>
-        <DisplayName>Gilad Turbahn</DisplayName>
-        <AccountId>511</AccountId>
-        <AccountType/>
-      </UserInfo>
-      <UserInfo>
-        <DisplayName>Keith Boyd</DisplayName>
-        <AccountId>993</AccountId>
-        <AccountType/>
-      </UserInfo>
-      <UserInfo>
-        <DisplayName>Christopher Harrison</DisplayName>
-        <AccountId>1176</AccountId>
-        <AccountType/>
-      </UserInfo>
-    </SharedWithUsers>
-  </documentManagement>
-</p:properties>
-</file>
-
-<file path=customXml/item33.xml><?xml version="1.0" encoding="utf-8"?>
+<file path=customXml/item38.xml><?xml version="1.0" encoding="utf-8"?>
 <Control xmlns="http://schemas.microsoft.com/VisualStudio/2011/storyboarding/control">
   <Id Name="a53d73d2-368b-429e-b817-1324eec1382c" Revision="1" Stencil="7276b9ef-3953-4dce-a89b-ed85f20b8b93" StencilVersion="1.0"/>
 </Control>
 </file>
 
-<file path=customXml/item34.xml><?xml version="1.0" encoding="utf-8"?>
-<Control xmlns="http://schemas.microsoft.com/VisualStudio/2011/storyboarding/control">
-  <Id Name="d69996e1-3d61-4686-9b63-f1b855c596ab" Revision="1" Stencil="7276b9ef-3953-4dce-a89b-ed85f20b8b93" StencilVersion="1.0"/>
-</Control>
-</file>
-
-<file path=customXml/item35.xml><?xml version="1.0" encoding="utf-8"?>
-<p:properties xmlns:p="http://schemas.microsoft.com/office/2006/metadata/properties" xmlns:xsi="http://www.w3.org/2001/XMLSchema-instance" xmlns:pc="http://schemas.microsoft.com/office/infopath/2007/PartnerControls">
-  <documentManagement>
-    <SharedWithUsers xmlns="83cd2334-221a-48c3-9034-bfd1542dfe28">
-      <UserInfo>
-        <DisplayName>Gilad Turbahn</DisplayName>
-        <AccountId>511</AccountId>
-        <AccountType/>
-      </UserInfo>
-      <UserInfo>
-        <DisplayName>Keith Boyd</DisplayName>
-        <AccountId>993</AccountId>
-        <AccountType/>
-      </UserInfo>
-      <UserInfo>
-        <DisplayName>Christopher Harrison</DisplayName>
-        <AccountId>1176</AccountId>
-        <AccountType/>
-      </UserInfo>
-    </SharedWithUsers>
-  </documentManagement>
-</p:properties>
-</file>
-
-<file path=customXml/item36.xml><?xml version="1.0" encoding="utf-8"?>
-<Control xmlns="http://schemas.microsoft.com/VisualStudio/2011/storyboarding/control">
-  <Id Name="d69996e1-3d61-4686-9b63-f1b855c596ab" Revision="1" Stencil="7276b9ef-3953-4dce-a89b-ed85f20b8b93" StencilVersion="1.0"/>
-</Control>
-</file>
-
-<file path=customXml/item37.xml><?xml version="1.0" encoding="utf-8"?>
-<p:properties xmlns:p="http://schemas.microsoft.com/office/2006/metadata/properties" xmlns:xsi="http://www.w3.org/2001/XMLSchema-instance" xmlns:pc="http://schemas.microsoft.com/office/infopath/2007/PartnerControls">
-  <documentManagement>
-    <SharedWithUsers xmlns="83cd2334-221a-48c3-9034-bfd1542dfe28">
-      <UserInfo>
-        <DisplayName>Gilad Turbahn</DisplayName>
-        <AccountId>511</AccountId>
-        <AccountType/>
-      </UserInfo>
-      <UserInfo>
-        <DisplayName>Keith Boyd</DisplayName>
-        <AccountId>993</AccountId>
-        <AccountType/>
-      </UserInfo>
-      <UserInfo>
-        <DisplayName>Christopher Harrison</DisplayName>
-        <AccountId>1176</AccountId>
-        <AccountType/>
-      </UserInfo>
-    </SharedWithUsers>
-  </documentManagement>
-</p:properties>
-</file>
-
-<file path=customXml/item38.xml><?xml version="1.0" encoding="utf-8"?>
-<Control xmlns="http://schemas.microsoft.com/VisualStudio/2011/storyboarding/control">
-  <Id Name="369f9055-6b6c-48b9-9320-5df2d46c430a" Revision="1" Stencil="7276b9ef-3953-4dce-a89b-ed85f20b8b93" StencilVersion="1.0"/>
-</Control>
-</file>
-
 <file path=customXml/item39.xml><?xml version="1.0" encoding="utf-8"?>
 <Control xmlns="http://schemas.microsoft.com/VisualStudio/2011/storyboarding/control">
-  <Id Name="369f9055-6b6c-48b9-9320-5df2d46c430a" Revision="1" Stencil="7276b9ef-3953-4dce-a89b-ed85f20b8b93" StencilVersion="1.0"/>
+  <Id Name="a2191c86-fc50-4add-948c-129f6b5a88d8" Revision="1" Stencil="7276b9ef-3953-4dce-a89b-ed85f20b8b93" StencilVersion="1.0"/>
 </Control>
 </file>
 
@@ -45582,57 +45539,6 @@
 </file>
 
 <file path=customXml/item40.xml><?xml version="1.0" encoding="utf-8"?>
-<?mso-contentType ?>
-<FormTemplates xmlns="http://schemas.microsoft.com/sharepoint/v3/contenttype/forms">
-  <Display>DocumentLibraryForm</Display>
-  <Edit>DocumentLibraryForm</Edit>
-  <New>DocumentLibraryForm</New>
-</FormTemplates>
-</file>
-
-<file path=customXml/item41.xml><?xml version="1.0" encoding="utf-8"?>
-<Control xmlns="http://schemas.microsoft.com/VisualStudio/2011/storyboarding/control">
-  <Id Name="fb22c541-ded0-47fa-8877-83a4c2d16227" Revision="1" Stencil="7276b9ef-3953-4dce-a89b-ed85f20b8b93" StencilVersion="1.0"/>
-</Control>
-</file>
-
-<file path=customXml/item42.xml><?xml version="1.0" encoding="utf-8"?>
-<Control xmlns="http://schemas.microsoft.com/VisualStudio/2011/storyboarding/control">
-  <Id Name="a53d73d2-368b-429e-b817-1324eec1382c" Revision="1" Stencil="7276b9ef-3953-4dce-a89b-ed85f20b8b93" StencilVersion="1.0"/>
-</Control>
-</file>
-
-<file path=customXml/item43.xml><?xml version="1.0" encoding="utf-8"?>
-<Control xmlns="http://schemas.microsoft.com/VisualStudio/2011/storyboarding/control">
-  <Id Name="369f9055-6b6c-48b9-9320-5df2d46c430a" Revision="1" Stencil="7276b9ef-3953-4dce-a89b-ed85f20b8b93" StencilVersion="1.0"/>
-</Control>
-</file>
-
-<file path=customXml/item44.xml><?xml version="1.0" encoding="utf-8"?>
-<Control xmlns="http://schemas.microsoft.com/VisualStudio/2011/storyboarding/control">
-  <Id Name="a53d73d2-368b-429e-b817-1324eec1382c" Revision="1" Stencil="7276b9ef-3953-4dce-a89b-ed85f20b8b93" StencilVersion="1.0"/>
-</Control>
-</file>
-
-<file path=customXml/item45.xml><?xml version="1.0" encoding="utf-8"?>
-<Control xmlns="http://schemas.microsoft.com/VisualStudio/2011/storyboarding/control">
-  <Id Name="369f9055-6b6c-48b9-9320-5df2d46c430a" Revision="1" Stencil="7276b9ef-3953-4dce-a89b-ed85f20b8b93" StencilVersion="1.0"/>
-</Control>
-</file>
-
-<file path=customXml/item46.xml><?xml version="1.0" encoding="utf-8"?>
-<Control xmlns="http://schemas.microsoft.com/VisualStudio/2011/storyboarding/control">
-  <Id Name="fb22c541-ded0-47fa-8877-83a4c2d16227" Revision="1" Stencil="7276b9ef-3953-4dce-a89b-ed85f20b8b93" StencilVersion="1.0"/>
-</Control>
-</file>
-
-<file path=customXml/item47.xml><?xml version="1.0" encoding="utf-8"?>
-<Control xmlns="http://schemas.microsoft.com/VisualStudio/2011/storyboarding/control">
-  <Id Name="a2191c86-fc50-4add-948c-129f6b5a88d8" Revision="1" Stencil="7276b9ef-3953-4dce-a89b-ed85f20b8b93" StencilVersion="1.0"/>
-</Control>
-</file>
-
-<file path=customXml/item48.xml><?xml version="1.0" encoding="utf-8"?>
 <p:properties xmlns:p="http://schemas.microsoft.com/office/2006/metadata/properties" xmlns:xsi="http://www.w3.org/2001/XMLSchema-instance" xmlns:pc="http://schemas.microsoft.com/office/infopath/2007/PartnerControls">
   <documentManagement>
     <SharedWithUsers xmlns="83cd2334-221a-48c3-9034-bfd1542dfe28">
@@ -45656,43 +45562,49 @@
 </p:properties>
 </file>
 
-<file path=customXml/item49.xml><?xml version="1.0" encoding="utf-8"?>
-<Control xmlns="http://schemas.microsoft.com/VisualStudio/2011/storyboarding/control">
-  <Id Name="a2191c86-fc50-4add-948c-129f6b5a88d8" Revision="1" Stencil="7276b9ef-3953-4dce-a89b-ed85f20b8b93" StencilVersion="1.0"/>
-</Control>
+<file path=customXml/item41.xml><?xml version="1.0" encoding="utf-8"?>
+<?mso-contentType ?>
+<FormTemplates xmlns="http://schemas.microsoft.com/sharepoint/v3/contenttype/forms">
+  <Display>DocumentLibraryForm</Display>
+  <Edit>DocumentLibraryForm</Edit>
+  <New>DocumentLibraryForm</New>
+</FormTemplates>
 </file>
 
-<file path=customXml/item5.xml><?xml version="1.0" encoding="utf-8"?>
-<Control xmlns="http://schemas.microsoft.com/VisualStudio/2011/storyboarding/control">
-  <Id Name="fb22c541-ded0-47fa-8877-83a4c2d16227" Revision="1" Stencil="7276b9ef-3953-4dce-a89b-ed85f20b8b93" StencilVersion="1.0"/>
-</Control>
+<file path=customXml/item42.xml><?xml version="1.0" encoding="utf-8"?>
+<?mso-contentType ?>
+<FormTemplates xmlns="http://schemas.microsoft.com/sharepoint/v3/contenttype/forms">
+  <Display>DocumentLibraryForm</Display>
+  <Edit>DocumentLibraryForm</Edit>
+  <New>DocumentLibraryForm</New>
+</FormTemplates>
 </file>
 
-<file path=customXml/item50.xml><?xml version="1.0" encoding="utf-8"?>
+<file path=customXml/item43.xml><?xml version="1.0" encoding="utf-8"?>
 <Control xmlns="http://schemas.microsoft.com/VisualStudio/2011/storyboarding/control">
   <Id Name="d69996e1-3d61-4686-9b63-f1b855c596ab" Revision="1" Stencil="7276b9ef-3953-4dce-a89b-ed85f20b8b93" StencilVersion="1.0"/>
 </Control>
 </file>
 
-<file path=customXml/item51.xml><?xml version="1.0" encoding="utf-8"?>
+<file path=customXml/item44.xml><?xml version="1.0" encoding="utf-8"?>
 <Control xmlns="http://schemas.microsoft.com/VisualStudio/2011/storyboarding/control">
-  <Id Name="fb22c541-ded0-47fa-8877-83a4c2d16227" Revision="1" Stencil="7276b9ef-3953-4dce-a89b-ed85f20b8b93" StencilVersion="1.0"/>
+  <Id Name="369f9055-6b6c-48b9-9320-5df2d46c430a" Revision="1" Stencil="7276b9ef-3953-4dce-a89b-ed85f20b8b93" StencilVersion="1.0"/>
 </Control>
 </file>
 
-<file path=customXml/item52.xml><?xml version="1.0" encoding="utf-8"?>
+<file path=customXml/item45.xml><?xml version="1.0" encoding="utf-8"?>
 <Control xmlns="http://schemas.microsoft.com/VisualStudio/2011/storyboarding/control">
-  <Id Name="a2191c86-fc50-4add-948c-129f6b5a88d8" Revision="1" Stencil="7276b9ef-3953-4dce-a89b-ed85f20b8b93" StencilVersion="1.0"/>
+  <Id Name="d69996e1-3d61-4686-9b63-f1b855c596ab" Revision="1" Stencil="7276b9ef-3953-4dce-a89b-ed85f20b8b93" StencilVersion="1.0"/>
 </Control>
 </file>
 
-<file path=customXml/item53.xml><?xml version="1.0" encoding="utf-8"?>
+<file path=customXml/item46.xml><?xml version="1.0" encoding="utf-8"?>
 <Control xmlns="http://schemas.microsoft.com/VisualStudio/2011/storyboarding/control">
-  <Id Name="a2191c86-fc50-4add-948c-129f6b5a88d8" Revision="1" Stencil="7276b9ef-3953-4dce-a89b-ed85f20b8b93" StencilVersion="1.0"/>
+  <Id Name="d69996e1-3d61-4686-9b63-f1b855c596ab" Revision="1" Stencil="7276b9ef-3953-4dce-a89b-ed85f20b8b93" StencilVersion="1.0"/>
 </Control>
 </file>
 
-<file path=customXml/item6.xml><?xml version="1.0" encoding="utf-8"?>
+<file path=customXml/item47.xml><?xml version="1.0" encoding="utf-8"?>
 <p:properties xmlns:p="http://schemas.microsoft.com/office/2006/metadata/properties" xmlns:xsi="http://www.w3.org/2001/XMLSchema-instance" xmlns:pc="http://schemas.microsoft.com/office/infopath/2007/PartnerControls">
   <documentManagement>
     <SharedWithUsers xmlns="83cd2334-221a-48c3-9034-bfd1542dfe28">
@@ -45716,7 +45628,22 @@
 </p:properties>
 </file>
 
-<file path=customXml/item7.xml><?xml version="1.0" encoding="utf-8"?>
+<file path=customXml/item48.xml><?xml version="1.0" encoding="utf-8"?>
+<?mso-contentType ?>
+<FormTemplates xmlns="http://schemas.microsoft.com/sharepoint/v3/contenttype/forms">
+  <Display>DocumentLibraryForm</Display>
+  <Edit>DocumentLibraryForm</Edit>
+  <New>DocumentLibraryForm</New>
+</FormTemplates>
+</file>
+
+<file path=customXml/item49.xml><?xml version="1.0" encoding="utf-8"?>
+<Control xmlns="http://schemas.microsoft.com/VisualStudio/2011/storyboarding/control">
+  <Id Name="a53d73d2-368b-429e-b817-1324eec1382c" Revision="1" Stencil="7276b9ef-3953-4dce-a89b-ed85f20b8b93" StencilVersion="1.0"/>
+</Control>
+</file>
+
+<file path=customXml/item5.xml><?xml version="1.0" encoding="utf-8"?>
 <p:properties xmlns:p="http://schemas.microsoft.com/office/2006/metadata/properties" xmlns:xsi="http://www.w3.org/2001/XMLSchema-instance" xmlns:pc="http://schemas.microsoft.com/office/infopath/2007/PartnerControls">
   <documentManagement>
     <SharedWithUsers xmlns="83cd2334-221a-48c3-9034-bfd1542dfe28">
@@ -45740,13 +45667,49 @@
 </p:properties>
 </file>
 
-<file path=customXml/item8.xml><?xml version="1.0" encoding="utf-8"?>
+<file path=customXml/item50.xml><?xml version="1.0" encoding="utf-8"?>
 <Control xmlns="http://schemas.microsoft.com/VisualStudio/2011/storyboarding/control">
-  <Id Name="d69996e1-3d61-4686-9b63-f1b855c596ab" Revision="1" Stencil="7276b9ef-3953-4dce-a89b-ed85f20b8b93" StencilVersion="1.0"/>
+  <Id Name="a2191c86-fc50-4add-948c-129f6b5a88d8" Revision="1" Stencil="7276b9ef-3953-4dce-a89b-ed85f20b8b93" StencilVersion="1.0"/>
 </Control>
 </file>
 
-<file path=customXml/item9.xml><?xml version="1.0" encoding="utf-8"?>
+<file path=customXml/item51.xml><?xml version="1.0" encoding="utf-8"?>
+<p:properties xmlns:p="http://schemas.microsoft.com/office/2006/metadata/properties" xmlns:xsi="http://www.w3.org/2001/XMLSchema-instance" xmlns:pc="http://schemas.microsoft.com/office/infopath/2007/PartnerControls">
+  <documentManagement>
+    <SharedWithUsers xmlns="83cd2334-221a-48c3-9034-bfd1542dfe28">
+      <UserInfo>
+        <DisplayName>Gilad Turbahn</DisplayName>
+        <AccountId>511</AccountId>
+        <AccountType/>
+      </UserInfo>
+      <UserInfo>
+        <DisplayName>Keith Boyd</DisplayName>
+        <AccountId>993</AccountId>
+        <AccountType/>
+      </UserInfo>
+      <UserInfo>
+        <DisplayName>Christopher Harrison</DisplayName>
+        <AccountId>1176</AccountId>
+        <AccountType/>
+      </UserInfo>
+    </SharedWithUsers>
+  </documentManagement>
+</p:properties>
+</file>
+
+<file path=customXml/item52.xml><?xml version="1.0" encoding="utf-8"?>
+<Control xmlns="http://schemas.microsoft.com/VisualStudio/2011/storyboarding/control">
+  <Id Name="369f9055-6b6c-48b9-9320-5df2d46c430a" Revision="1" Stencil="7276b9ef-3953-4dce-a89b-ed85f20b8b93" StencilVersion="1.0"/>
+</Control>
+</file>
+
+<file path=customXml/item53.xml><?xml version="1.0" encoding="utf-8"?>
+<Control xmlns="http://schemas.microsoft.com/VisualStudio/2011/storyboarding/control">
+  <Id Name="a53d73d2-368b-429e-b817-1324eec1382c" Revision="1" Stencil="7276b9ef-3953-4dce-a89b-ed85f20b8b93" StencilVersion="1.0"/>
+</Control>
+</file>
+
+<file path=customXml/item6.xml><?xml version="1.0" encoding="utf-8"?>
 <?mso-contentType ?>
 <FormTemplates xmlns="http://schemas.microsoft.com/sharepoint/v3/contenttype/forms">
   <Display>DocumentLibraryForm</Display>
@@ -45755,16 +45718,36 @@
 </FormTemplates>
 </file>
 
+<file path=customXml/item7.xml><?xml version="1.0" encoding="utf-8"?>
+<Control xmlns="http://schemas.microsoft.com/VisualStudio/2011/storyboarding/control">
+  <Id Name="369f9055-6b6c-48b9-9320-5df2d46c430a" Revision="1" Stencil="7276b9ef-3953-4dce-a89b-ed85f20b8b93" StencilVersion="1.0"/>
+</Control>
+</file>
+
+<file path=customXml/item8.xml><?xml version="1.0" encoding="utf-8"?>
+<Control xmlns="http://schemas.microsoft.com/VisualStudio/2011/storyboarding/control">
+  <Id Name="a2191c86-fc50-4add-948c-129f6b5a88d8" Revision="1" Stencil="7276b9ef-3953-4dce-a89b-ed85f20b8b93" StencilVersion="1.0"/>
+</Control>
+</file>
+
+<file path=customXml/item9.xml><?xml version="1.0" encoding="utf-8"?>
+<Control xmlns="http://schemas.microsoft.com/VisualStudio/2011/storyboarding/control">
+  <Id Name="fb22c541-ded0-47fa-8877-83a4c2d16227" Revision="1" Stencil="7276b9ef-3953-4dce-a89b-ed85f20b8b93" StencilVersion="1.0"/>
+</Control>
+</file>
+
 <file path=customXml/itemProps1.xml><?xml version="1.0" encoding="utf-8"?>
-<ds:datastoreItem xmlns:ds="http://schemas.openxmlformats.org/officeDocument/2006/customXml" ds:itemID="{8E7D1C6F-2F1C-4FF7-8E81-B00199180E81}">
+<ds:datastoreItem xmlns:ds="http://schemas.openxmlformats.org/officeDocument/2006/customXml" ds:itemID="{B18102BA-C10B-41D1-8610-3D321D638DD2}">
   <ds:schemaRefs>
-    <ds:schemaRef ds:uri="http://schemas.microsoft.com/sharepoint/v3/contenttype/forms"/>
+    <ds:schemaRef ds:uri="http://schemas.microsoft.com/office/2006/metadata/properties"/>
+    <ds:schemaRef ds:uri="http://schemas.microsoft.com/office/infopath/2007/PartnerControls"/>
+    <ds:schemaRef ds:uri="83cd2334-221a-48c3-9034-bfd1542dfe28"/>
   </ds:schemaRefs>
 </ds:datastoreItem>
 </file>
 
 <file path=customXml/itemProps10.xml><?xml version="1.0" encoding="utf-8"?>
-<ds:datastoreItem xmlns:ds="http://schemas.openxmlformats.org/officeDocument/2006/customXml" ds:itemID="{08C4EE12-DF69-4FFC-9E40-C7991F3490A6}">
+<ds:datastoreItem xmlns:ds="http://schemas.openxmlformats.org/officeDocument/2006/customXml" ds:itemID="{376216F9-AF6B-4844-AE8C-B9F953F916AB}">
   <ds:schemaRefs>
     <ds:schemaRef ds:uri="http://schemas.microsoft.com/VisualStudio/2011/storyboarding/control"/>
   </ds:schemaRefs>
@@ -45772,30 +45755,6 @@
 </file>
 
 <file path=customXml/itemProps11.xml><?xml version="1.0" encoding="utf-8"?>
-<ds:datastoreItem xmlns:ds="http://schemas.openxmlformats.org/officeDocument/2006/customXml" ds:itemID="{4C1B3C27-4803-4D72-A3F8-6668A3F0A24B}">
-  <ds:schemaRefs>
-    <ds:schemaRef ds:uri="http://schemas.microsoft.com/VisualStudio/2011/storyboarding/control"/>
-  </ds:schemaRefs>
-</ds:datastoreItem>
-</file>
-
-<file path=customXml/itemProps12.xml><?xml version="1.0" encoding="utf-8"?>
-<ds:datastoreItem xmlns:ds="http://schemas.openxmlformats.org/officeDocument/2006/customXml" ds:itemID="{8BD595CA-AC5E-43B9-B966-E468A16E8322}">
-  <ds:schemaRefs>
-    <ds:schemaRef ds:uri="http://schemas.microsoft.com/VisualStudio/2011/storyboarding/control"/>
-  </ds:schemaRefs>
-</ds:datastoreItem>
-</file>
-
-<file path=customXml/itemProps13.xml><?xml version="1.0" encoding="utf-8"?>
-<ds:datastoreItem xmlns:ds="http://schemas.openxmlformats.org/officeDocument/2006/customXml" ds:itemID="{9360AFB9-8F99-4E1B-878D-F2EBABEB164C}">
-  <ds:schemaRefs>
-    <ds:schemaRef ds:uri="http://schemas.microsoft.com/sharepoint/v3/contenttype/forms"/>
-  </ds:schemaRefs>
-</ds:datastoreItem>
-</file>
-
-<file path=customXml/itemProps14.xml><?xml version="1.0" encoding="utf-8"?>
 <ds:datastoreItem xmlns:ds="http://schemas.openxmlformats.org/officeDocument/2006/customXml" ds:itemID="{6018CCD6-C254-44D3-91D5-EC4D81FDEBEC}">
   <ds:schemaRefs>
     <ds:schemaRef ds:uri="http://schemas.microsoft.com/office/2006/metadata/properties"/>
@@ -45805,16 +45764,42 @@
 </ds:datastoreItem>
 </file>
 
-<file path=customXml/itemProps15.xml><?xml version="1.0" encoding="utf-8"?>
-<ds:datastoreItem xmlns:ds="http://schemas.openxmlformats.org/officeDocument/2006/customXml" ds:itemID="{1EF25EC2-965B-4491-9691-6B806C9E3B8B}">
+<file path=customXml/itemProps12.xml><?xml version="1.0" encoding="utf-8"?>
+<ds:datastoreItem xmlns:ds="http://schemas.openxmlformats.org/officeDocument/2006/customXml" ds:itemID="{3C954CC5-1CAC-4EC3-9791-8630483065B9}">
+  <ds:schemaRefs>
+    <ds:schemaRef ds:uri="http://schemas.microsoft.com/VisualStudio/2011/storyboarding/control"/>
+  </ds:schemaRefs>
+</ds:datastoreItem>
+</file>
+
+<file path=customXml/itemProps13.xml><?xml version="1.0" encoding="utf-8"?>
+<ds:datastoreItem xmlns:ds="http://schemas.openxmlformats.org/officeDocument/2006/customXml" ds:itemID="{21F6B647-976A-41D0-B760-9DF9DFC6AE3C}">
+  <ds:schemaRefs>
+    <ds:schemaRef ds:uri="http://schemas.microsoft.com/VisualStudio/2011/storyboarding/control"/>
+  </ds:schemaRefs>
+</ds:datastoreItem>
+</file>
+
+<file path=customXml/itemProps14.xml><?xml version="1.0" encoding="utf-8"?>
+<ds:datastoreItem xmlns:ds="http://schemas.openxmlformats.org/officeDocument/2006/customXml" ds:itemID="{71AE1ABA-EE71-4D7C-AE19-D2A04FC317D0}">
   <ds:schemaRefs>
     <ds:schemaRef ds:uri="http://schemas.microsoft.com/sharepoint/v3/contenttype/forms"/>
   </ds:schemaRefs>
 </ds:datastoreItem>
 </file>
 
+<file path=customXml/itemProps15.xml><?xml version="1.0" encoding="utf-8"?>
+<ds:datastoreItem xmlns:ds="http://schemas.openxmlformats.org/officeDocument/2006/customXml" ds:itemID="{F8161C77-CF0F-4477-84AB-9F5BE9DE94F0}">
+  <ds:schemaRefs>
+    <ds:schemaRef ds:uri="http://schemas.microsoft.com/office/2006/metadata/properties"/>
+    <ds:schemaRef ds:uri="http://schemas.microsoft.com/office/infopath/2007/PartnerControls"/>
+    <ds:schemaRef ds:uri="83cd2334-221a-48c3-9034-bfd1542dfe28"/>
+  </ds:schemaRefs>
+</ds:datastoreItem>
+</file>
+
 <file path=customXml/itemProps16.xml><?xml version="1.0" encoding="utf-8"?>
-<ds:datastoreItem xmlns:ds="http://schemas.openxmlformats.org/officeDocument/2006/customXml" ds:itemID="{ED350DFE-2319-4AB0-BC96-1D36D125365A}">
+<ds:datastoreItem xmlns:ds="http://schemas.openxmlformats.org/officeDocument/2006/customXml" ds:itemID="{FE651ABA-5DC1-4ABD-A06E-055AE54B337B}">
   <ds:schemaRefs>
     <ds:schemaRef ds:uri="http://schemas.microsoft.com/VisualStudio/2011/storyboarding/control"/>
   </ds:schemaRefs>
@@ -45822,6 +45807,56 @@
 </file>
 
 <file path=customXml/itemProps17.xml><?xml version="1.0" encoding="utf-8"?>
+<ds:datastoreItem xmlns:ds="http://schemas.openxmlformats.org/officeDocument/2006/customXml" ds:itemID="{6B54639E-AC34-4B67-A9D5-6F9852696283}">
+  <ds:schemaRefs>
+    <ds:schemaRef ds:uri="http://schemas.microsoft.com/office/2006/metadata/properties"/>
+    <ds:schemaRef ds:uri="http://schemas.microsoft.com/office/infopath/2007/PartnerControls"/>
+    <ds:schemaRef ds:uri="83cd2334-221a-48c3-9034-bfd1542dfe28"/>
+  </ds:schemaRefs>
+</ds:datastoreItem>
+</file>
+
+<file path=customXml/itemProps18.xml><?xml version="1.0" encoding="utf-8"?>
+<ds:datastoreItem xmlns:ds="http://schemas.openxmlformats.org/officeDocument/2006/customXml" ds:itemID="{3DC6CABD-46E1-4C27-A0B3-616DC56F8E5C}">
+  <ds:schemaRefs>
+    <ds:schemaRef ds:uri="http://schemas.microsoft.com/VisualStudio/2011/storyboarding/control"/>
+  </ds:schemaRefs>
+</ds:datastoreItem>
+</file>
+
+<file path=customXml/itemProps19.xml><?xml version="1.0" encoding="utf-8"?>
+<ds:datastoreItem xmlns:ds="http://schemas.openxmlformats.org/officeDocument/2006/customXml" ds:itemID="{B5105A87-47B6-44F6-97FD-4619C0556604}">
+  <ds:schemaRefs>
+    <ds:schemaRef ds:uri="http://schemas.microsoft.com/VisualStudio/2011/storyboarding/control"/>
+  </ds:schemaRefs>
+</ds:datastoreItem>
+</file>
+
+<file path=customXml/itemProps2.xml><?xml version="1.0" encoding="utf-8"?>
+<ds:datastoreItem xmlns:ds="http://schemas.openxmlformats.org/officeDocument/2006/customXml" ds:itemID="{4C1B3C27-4803-4D72-A3F8-6668A3F0A24B}">
+  <ds:schemaRefs>
+    <ds:schemaRef ds:uri="http://schemas.microsoft.com/VisualStudio/2011/storyboarding/control"/>
+  </ds:schemaRefs>
+</ds:datastoreItem>
+</file>
+
+<file path=customXml/itemProps20.xml><?xml version="1.0" encoding="utf-8"?>
+<ds:datastoreItem xmlns:ds="http://schemas.openxmlformats.org/officeDocument/2006/customXml" ds:itemID="{F68D8396-E21C-4AFF-8FDD-70D00673D0EE}">
+  <ds:schemaRefs>
+    <ds:schemaRef ds:uri="http://schemas.microsoft.com/VisualStudio/2011/storyboarding/control"/>
+  </ds:schemaRefs>
+</ds:datastoreItem>
+</file>
+
+<file path=customXml/itemProps21.xml><?xml version="1.0" encoding="utf-8"?>
+<ds:datastoreItem xmlns:ds="http://schemas.openxmlformats.org/officeDocument/2006/customXml" ds:itemID="{8BD595CA-AC5E-43B9-B966-E468A16E8322}">
+  <ds:schemaRefs>
+    <ds:schemaRef ds:uri="http://schemas.microsoft.com/VisualStudio/2011/storyboarding/control"/>
+  </ds:schemaRefs>
+</ds:datastoreItem>
+</file>
+
+<file path=customXml/itemProps22.xml><?xml version="1.0" encoding="utf-8"?>
 <ds:datastoreItem xmlns:ds="http://schemas.openxmlformats.org/officeDocument/2006/customXml" ds:itemID="{11F98F69-7518-4AE2-AE7B-E037DC9DDC97}">
   <ds:schemaRefs>
     <ds:schemaRef ds:uri="http://schemas.microsoft.com/office/2006/metadata/contentType"/>
@@ -45839,7 +45874,191 @@
 </ds:datastoreItem>
 </file>
 
-<file path=customXml/itemProps18.xml><?xml version="1.0" encoding="utf-8"?>
+<file path=customXml/itemProps23.xml><?xml version="1.0" encoding="utf-8"?>
+<ds:datastoreItem xmlns:ds="http://schemas.openxmlformats.org/officeDocument/2006/customXml" ds:itemID="{366CA990-F93D-4100-9654-65D9E30F4E1C}">
+  <ds:schemaRefs>
+    <ds:schemaRef ds:uri="http://schemas.microsoft.com/VisualStudio/2011/storyboarding/control"/>
+  </ds:schemaRefs>
+</ds:datastoreItem>
+</file>
+
+<file path=customXml/itemProps24.xml><?xml version="1.0" encoding="utf-8"?>
+<ds:datastoreItem xmlns:ds="http://schemas.openxmlformats.org/officeDocument/2006/customXml" ds:itemID="{8893E80D-6D0C-4E0F-AA22-E5615BB87E5B}">
+  <ds:schemaRefs>
+    <ds:schemaRef ds:uri="http://schemas.microsoft.com/VisualStudio/2011/storyboarding/control"/>
+  </ds:schemaRefs>
+</ds:datastoreItem>
+</file>
+
+<file path=customXml/itemProps25.xml><?xml version="1.0" encoding="utf-8"?>
+<ds:datastoreItem xmlns:ds="http://schemas.openxmlformats.org/officeDocument/2006/customXml" ds:itemID="{7959CC6A-F423-4783-B968-3BCC86A7394E}">
+  <ds:schemaRefs>
+    <ds:schemaRef ds:uri="http://schemas.microsoft.com/VisualStudio/2011/storyboarding/control"/>
+  </ds:schemaRefs>
+</ds:datastoreItem>
+</file>
+
+<file path=customXml/itemProps26.xml><?xml version="1.0" encoding="utf-8"?>
+<ds:datastoreItem xmlns:ds="http://schemas.openxmlformats.org/officeDocument/2006/customXml" ds:itemID="{4E8278DB-3CDD-48A7-992E-A7596AD335B9}">
+  <ds:schemaRefs>
+    <ds:schemaRef ds:uri="http://schemas.microsoft.com/VisualStudio/2011/storyboarding/control"/>
+  </ds:schemaRefs>
+</ds:datastoreItem>
+</file>
+
+<file path=customXml/itemProps27.xml><?xml version="1.0" encoding="utf-8"?>
+<ds:datastoreItem xmlns:ds="http://schemas.openxmlformats.org/officeDocument/2006/customXml" ds:itemID="{084E0550-E761-4ECF-B70B-F78D76F55320}">
+  <ds:schemaRefs>
+    <ds:schemaRef ds:uri="http://schemas.microsoft.com/sharepoint/v3/contenttype/forms"/>
+  </ds:schemaRefs>
+</ds:datastoreItem>
+</file>
+
+<file path=customXml/itemProps28.xml><?xml version="1.0" encoding="utf-8"?>
+<ds:datastoreItem xmlns:ds="http://schemas.openxmlformats.org/officeDocument/2006/customXml" ds:itemID="{432851C6-BC05-4673-B853-6D08AB80CDC4}">
+  <ds:schemaRefs>
+    <ds:schemaRef ds:uri="http://schemas.microsoft.com/VisualStudio/2011/storyboarding/control"/>
+  </ds:schemaRefs>
+</ds:datastoreItem>
+</file>
+
+<file path=customXml/itemProps29.xml><?xml version="1.0" encoding="utf-8"?>
+<ds:datastoreItem xmlns:ds="http://schemas.openxmlformats.org/officeDocument/2006/customXml" ds:itemID="{8E7D1C6F-2F1C-4FF7-8E81-B00199180E81}">
+  <ds:schemaRefs>
+    <ds:schemaRef ds:uri="http://schemas.microsoft.com/sharepoint/v3/contenttype/forms"/>
+  </ds:schemaRefs>
+</ds:datastoreItem>
+</file>
+
+<file path=customXml/itemProps3.xml><?xml version="1.0" encoding="utf-8"?>
+<ds:datastoreItem xmlns:ds="http://schemas.openxmlformats.org/officeDocument/2006/customXml" ds:itemID="{758FDAC0-319D-4A54-8D8E-1D42CB1F8004}">
+  <ds:schemaRefs>
+    <ds:schemaRef ds:uri="http://schemas.microsoft.com/sharepoint/v3/contenttype/forms"/>
+  </ds:schemaRefs>
+</ds:datastoreItem>
+</file>
+
+<file path=customXml/itemProps30.xml><?xml version="1.0" encoding="utf-8"?>
+<ds:datastoreItem xmlns:ds="http://schemas.openxmlformats.org/officeDocument/2006/customXml" ds:itemID="{F990F116-B58F-4255-B05B-DA3808E0E5C6}">
+  <ds:schemaRefs>
+    <ds:schemaRef ds:uri="http://schemas.microsoft.com/office/2006/metadata/properties"/>
+    <ds:schemaRef ds:uri="http://schemas.microsoft.com/office/infopath/2007/PartnerControls"/>
+    <ds:schemaRef ds:uri="83cd2334-221a-48c3-9034-bfd1542dfe28"/>
+  </ds:schemaRefs>
+</ds:datastoreItem>
+</file>
+
+<file path=customXml/itemProps31.xml><?xml version="1.0" encoding="utf-8"?>
+<ds:datastoreItem xmlns:ds="http://schemas.openxmlformats.org/officeDocument/2006/customXml" ds:itemID="{1EF25EC2-965B-4491-9691-6B806C9E3B8B}">
+  <ds:schemaRefs>
+    <ds:schemaRef ds:uri="http://schemas.microsoft.com/sharepoint/v3/contenttype/forms"/>
+  </ds:schemaRefs>
+</ds:datastoreItem>
+</file>
+
+<file path=customXml/itemProps32.xml><?xml version="1.0" encoding="utf-8"?>
+<ds:datastoreItem xmlns:ds="http://schemas.openxmlformats.org/officeDocument/2006/customXml" ds:itemID="{2F30C844-8093-47D2-A9B2-B7BEE821CE68}">
+  <ds:schemaRefs>
+    <ds:schemaRef ds:uri="http://schemas.microsoft.com/sharepoint/v3/contenttype/forms"/>
+  </ds:schemaRefs>
+</ds:datastoreItem>
+</file>
+
+<file path=customXml/itemProps33.xml><?xml version="1.0" encoding="utf-8"?>
+<ds:datastoreItem xmlns:ds="http://schemas.openxmlformats.org/officeDocument/2006/customXml" ds:itemID="{473A6A21-7521-4B81-9336-9B587BA12275}">
+  <ds:schemaRefs>
+    <ds:schemaRef ds:uri="http://schemas.microsoft.com/office/2006/metadata/properties"/>
+    <ds:schemaRef ds:uri="http://schemas.microsoft.com/office/infopath/2007/PartnerControls"/>
+    <ds:schemaRef ds:uri="83cd2334-221a-48c3-9034-bfd1542dfe28"/>
+  </ds:schemaRefs>
+</ds:datastoreItem>
+</file>
+
+<file path=customXml/itemProps34.xml><?xml version="1.0" encoding="utf-8"?>
+<ds:datastoreItem xmlns:ds="http://schemas.openxmlformats.org/officeDocument/2006/customXml" ds:itemID="{C63AC2F0-1DEB-4E91-A88A-7A014A172F4F}">
+  <ds:schemaRefs>
+    <ds:schemaRef ds:uri="http://schemas.microsoft.com/VisualStudio/2011/storyboarding/control"/>
+  </ds:schemaRefs>
+</ds:datastoreItem>
+</file>
+
+<file path=customXml/itemProps35.xml><?xml version="1.0" encoding="utf-8"?>
+<ds:datastoreItem xmlns:ds="http://schemas.openxmlformats.org/officeDocument/2006/customXml" ds:itemID="{D4B5F268-5930-44CD-BDF1-D0A04D4BBC1C}">
+  <ds:schemaRefs>
+    <ds:schemaRef ds:uri="http://schemas.microsoft.com/VisualStudio/2011/storyboarding/control"/>
+  </ds:schemaRefs>
+</ds:datastoreItem>
+</file>
+
+<file path=customXml/itemProps36.xml><?xml version="1.0" encoding="utf-8"?>
+<ds:datastoreItem xmlns:ds="http://schemas.openxmlformats.org/officeDocument/2006/customXml" ds:itemID="{08C4EE12-DF69-4FFC-9E40-C7991F3490A6}">
+  <ds:schemaRefs>
+    <ds:schemaRef ds:uri="http://schemas.microsoft.com/VisualStudio/2011/storyboarding/control"/>
+  </ds:schemaRefs>
+</ds:datastoreItem>
+</file>
+
+<file path=customXml/itemProps37.xml><?xml version="1.0" encoding="utf-8"?>
+<ds:datastoreItem xmlns:ds="http://schemas.openxmlformats.org/officeDocument/2006/customXml" ds:itemID="{A04E0FB3-C79D-4C6D-950F-4E1E151C9D70}">
+  <ds:schemaRefs>
+    <ds:schemaRef ds:uri="http://schemas.microsoft.com/sharepoint/v3/contenttype/forms"/>
+  </ds:schemaRefs>
+</ds:datastoreItem>
+</file>
+
+<file path=customXml/itemProps38.xml><?xml version="1.0" encoding="utf-8"?>
+<ds:datastoreItem xmlns:ds="http://schemas.openxmlformats.org/officeDocument/2006/customXml" ds:itemID="{6FB9D450-4C47-4A44-8C0D-C78D8A54C46F}">
+  <ds:schemaRefs>
+    <ds:schemaRef ds:uri="http://schemas.microsoft.com/VisualStudio/2011/storyboarding/control"/>
+  </ds:schemaRefs>
+</ds:datastoreItem>
+</file>
+
+<file path=customXml/itemProps39.xml><?xml version="1.0" encoding="utf-8"?>
+<ds:datastoreItem xmlns:ds="http://schemas.openxmlformats.org/officeDocument/2006/customXml" ds:itemID="{8257D6BC-B71E-4D95-81E4-A1D4A8174168}">
+  <ds:schemaRefs>
+    <ds:schemaRef ds:uri="http://schemas.microsoft.com/VisualStudio/2011/storyboarding/control"/>
+  </ds:schemaRefs>
+</ds:datastoreItem>
+</file>
+
+<file path=customXml/itemProps4.xml><?xml version="1.0" encoding="utf-8"?>
+<ds:datastoreItem xmlns:ds="http://schemas.openxmlformats.org/officeDocument/2006/customXml" ds:itemID="{4D2DC492-0615-4887-9A7E-502F1DC6E1B8}">
+  <ds:schemaRefs>
+    <ds:schemaRef ds:uri="http://schemas.microsoft.com/office/2006/metadata/properties"/>
+    <ds:schemaRef ds:uri="http://schemas.microsoft.com/office/infopath/2007/PartnerControls"/>
+    <ds:schemaRef ds:uri="83cd2334-221a-48c3-9034-bfd1542dfe28"/>
+  </ds:schemaRefs>
+</ds:datastoreItem>
+</file>
+
+<file path=customXml/itemProps40.xml><?xml version="1.0" encoding="utf-8"?>
+<ds:datastoreItem xmlns:ds="http://schemas.openxmlformats.org/officeDocument/2006/customXml" ds:itemID="{1C76383C-FD09-474B-94B3-126FB1A7D094}">
+  <ds:schemaRefs>
+    <ds:schemaRef ds:uri="http://schemas.microsoft.com/office/2006/metadata/properties"/>
+    <ds:schemaRef ds:uri="http://schemas.microsoft.com/office/infopath/2007/PartnerControls"/>
+    <ds:schemaRef ds:uri="83cd2334-221a-48c3-9034-bfd1542dfe28"/>
+  </ds:schemaRefs>
+</ds:datastoreItem>
+</file>
+
+<file path=customXml/itemProps41.xml><?xml version="1.0" encoding="utf-8"?>
+<ds:datastoreItem xmlns:ds="http://schemas.openxmlformats.org/officeDocument/2006/customXml" ds:itemID="{8CFA17AA-8D1D-41BA-81E2-B1C9B1D8F8E0}">
+  <ds:schemaRefs>
+    <ds:schemaRef ds:uri="http://schemas.microsoft.com/sharepoint/v3/contenttype/forms"/>
+  </ds:schemaRefs>
+</ds:datastoreItem>
+</file>
+
+<file path=customXml/itemProps42.xml><?xml version="1.0" encoding="utf-8"?>
+<ds:datastoreItem xmlns:ds="http://schemas.openxmlformats.org/officeDocument/2006/customXml" ds:itemID="{9360AFB9-8F99-4E1B-878D-F2EBABEB164C}">
+  <ds:schemaRefs>
+    <ds:schemaRef ds:uri="http://schemas.microsoft.com/sharepoint/v3/contenttype/forms"/>
+  </ds:schemaRefs>
+</ds:datastoreItem>
+</file>
+
+<file path=customXml/itemProps43.xml><?xml version="1.0" encoding="utf-8"?>
 <ds:datastoreItem xmlns:ds="http://schemas.openxmlformats.org/officeDocument/2006/customXml" ds:itemID="{67213E6F-7B96-4222-888B-63710B06D885}">
   <ds:schemaRefs>
     <ds:schemaRef ds:uri="http://schemas.microsoft.com/VisualStudio/2011/storyboarding/control"/>
@@ -45847,71 +46066,31 @@
 </ds:datastoreItem>
 </file>
 
-<file path=customXml/itemProps19.xml><?xml version="1.0" encoding="utf-8"?>
-<ds:datastoreItem xmlns:ds="http://schemas.openxmlformats.org/officeDocument/2006/customXml" ds:itemID="{376216F9-AF6B-4844-AE8C-B9F953F916AB}">
+<file path=customXml/itemProps44.xml><?xml version="1.0" encoding="utf-8"?>
+<ds:datastoreItem xmlns:ds="http://schemas.openxmlformats.org/officeDocument/2006/customXml" ds:itemID="{38217AA1-CC95-49A9-B284-2ED4D347D7CA}">
   <ds:schemaRefs>
     <ds:schemaRef ds:uri="http://schemas.microsoft.com/VisualStudio/2011/storyboarding/control"/>
   </ds:schemaRefs>
 </ds:datastoreItem>
 </file>
 
-<file path=customXml/itemProps2.xml><?xml version="1.0" encoding="utf-8"?>
-<ds:datastoreItem xmlns:ds="http://schemas.openxmlformats.org/officeDocument/2006/customXml" ds:itemID="{42D603BF-B513-4201-A599-21BA0F4FFC40}">
+<file path=customXml/itemProps45.xml><?xml version="1.0" encoding="utf-8"?>
+<ds:datastoreItem xmlns:ds="http://schemas.openxmlformats.org/officeDocument/2006/customXml" ds:itemID="{0282FB20-2D4C-459D-8468-77D1D3C6925D}">
   <ds:schemaRefs>
     <ds:schemaRef ds:uri="http://schemas.microsoft.com/VisualStudio/2011/storyboarding/control"/>
   </ds:schemaRefs>
 </ds:datastoreItem>
 </file>
 
-<file path=customXml/itemProps20.xml><?xml version="1.0" encoding="utf-8"?>
-<ds:datastoreItem xmlns:ds="http://schemas.openxmlformats.org/officeDocument/2006/customXml" ds:itemID="{084E0550-E761-4ECF-B70B-F78D76F55320}">
-  <ds:schemaRefs>
-    <ds:schemaRef ds:uri="http://schemas.microsoft.com/sharepoint/v3/contenttype/forms"/>
-  </ds:schemaRefs>
-</ds:datastoreItem>
-</file>
-
-<file path=customXml/itemProps21.xml><?xml version="1.0" encoding="utf-8"?>
-<ds:datastoreItem xmlns:ds="http://schemas.openxmlformats.org/officeDocument/2006/customXml" ds:itemID="{470353D1-3545-4BE2-A17C-548BF46AD9BC}">
-  <ds:schemaRefs>
-    <ds:schemaRef ds:uri="http://schemas.microsoft.com/sharepoint/v3/contenttype/forms"/>
-  </ds:schemaRefs>
-</ds:datastoreItem>
-</file>
-
-<file path=customXml/itemProps22.xml><?xml version="1.0" encoding="utf-8"?>
-<ds:datastoreItem xmlns:ds="http://schemas.openxmlformats.org/officeDocument/2006/customXml" ds:itemID="{3C954CC5-1CAC-4EC3-9791-8630483065B9}">
+<file path=customXml/itemProps46.xml><?xml version="1.0" encoding="utf-8"?>
+<ds:datastoreItem xmlns:ds="http://schemas.openxmlformats.org/officeDocument/2006/customXml" ds:itemID="{C0F92A87-A216-45A9-B9C0-0515663D35BF}">
   <ds:schemaRefs>
     <ds:schemaRef ds:uri="http://schemas.microsoft.com/VisualStudio/2011/storyboarding/control"/>
   </ds:schemaRefs>
 </ds:datastoreItem>
 </file>
 
-<file path=customXml/itemProps23.xml><?xml version="1.0" encoding="utf-8"?>
-<ds:datastoreItem xmlns:ds="http://schemas.openxmlformats.org/officeDocument/2006/customXml" ds:itemID="{2F30C844-8093-47D2-A9B2-B7BEE821CE68}">
-  <ds:schemaRefs>
-    <ds:schemaRef ds:uri="http://schemas.microsoft.com/sharepoint/v3/contenttype/forms"/>
-  </ds:schemaRefs>
-</ds:datastoreItem>
-</file>
-
-<file path=customXml/itemProps24.xml><?xml version="1.0" encoding="utf-8"?>
-<ds:datastoreItem xmlns:ds="http://schemas.openxmlformats.org/officeDocument/2006/customXml" ds:itemID="{758FDAC0-319D-4A54-8D8E-1D42CB1F8004}">
-  <ds:schemaRefs>
-    <ds:schemaRef ds:uri="http://schemas.microsoft.com/sharepoint/v3/contenttype/forms"/>
-  </ds:schemaRefs>
-</ds:datastoreItem>
-</file>
-
-<file path=customXml/itemProps25.xml><?xml version="1.0" encoding="utf-8"?>
-<ds:datastoreItem xmlns:ds="http://schemas.openxmlformats.org/officeDocument/2006/customXml" ds:itemID="{366CA990-F93D-4100-9654-65D9E30F4E1C}">
-  <ds:schemaRefs>
-    <ds:schemaRef ds:uri="http://schemas.microsoft.com/VisualStudio/2011/storyboarding/control"/>
-  </ds:schemaRefs>
-</ds:datastoreItem>
-</file>
-
-<file path=customXml/itemProps26.xml><?xml version="1.0" encoding="utf-8"?>
+<file path=customXml/itemProps47.xml><?xml version="1.0" encoding="utf-8"?>
 <ds:datastoreItem xmlns:ds="http://schemas.openxmlformats.org/officeDocument/2006/customXml" ds:itemID="{17A7EC28-79CF-44E6-BA48-85916A7F29F5}">
   <ds:schemaRefs>
     <ds:schemaRef ds:uri="http://schemas.microsoft.com/office/2006/metadata/properties"/>
@@ -45921,103 +46100,23 @@
 </ds:datastoreItem>
 </file>
 
-<file path=customXml/itemProps27.xml><?xml version="1.0" encoding="utf-8"?>
-<ds:datastoreItem xmlns:ds="http://schemas.openxmlformats.org/officeDocument/2006/customXml" ds:itemID="{21F6B647-976A-41D0-B760-9DF9DFC6AE3C}">
+<file path=customXml/itemProps48.xml><?xml version="1.0" encoding="utf-8"?>
+<ds:datastoreItem xmlns:ds="http://schemas.openxmlformats.org/officeDocument/2006/customXml" ds:itemID="{470353D1-3545-4BE2-A17C-548BF46AD9BC}">
+  <ds:schemaRefs>
+    <ds:schemaRef ds:uri="http://schemas.microsoft.com/sharepoint/v3/contenttype/forms"/>
+  </ds:schemaRefs>
+</ds:datastoreItem>
+</file>
+
+<file path=customXml/itemProps49.xml><?xml version="1.0" encoding="utf-8"?>
+<ds:datastoreItem xmlns:ds="http://schemas.openxmlformats.org/officeDocument/2006/customXml" ds:itemID="{4E805D65-1532-4BB0-8F41-8013167C0009}">
   <ds:schemaRefs>
     <ds:schemaRef ds:uri="http://schemas.microsoft.com/VisualStudio/2011/storyboarding/control"/>
   </ds:schemaRefs>
 </ds:datastoreItem>
 </file>
 
-<file path=customXml/itemProps28.xml><?xml version="1.0" encoding="utf-8"?>
-<ds:datastoreItem xmlns:ds="http://schemas.openxmlformats.org/officeDocument/2006/customXml" ds:itemID="{473A6A21-7521-4B81-9336-9B587BA12275}">
-  <ds:schemaRefs>
-    <ds:schemaRef ds:uri="http://schemas.microsoft.com/office/2006/metadata/properties"/>
-    <ds:schemaRef ds:uri="http://schemas.microsoft.com/office/infopath/2007/PartnerControls"/>
-    <ds:schemaRef ds:uri="83cd2334-221a-48c3-9034-bfd1542dfe28"/>
-  </ds:schemaRefs>
-</ds:datastoreItem>
-</file>
-
-<file path=customXml/itemProps29.xml><?xml version="1.0" encoding="utf-8"?>
-<ds:datastoreItem xmlns:ds="http://schemas.openxmlformats.org/officeDocument/2006/customXml" ds:itemID="{B18102BA-C10B-41D1-8610-3D321D638DD2}">
-  <ds:schemaRefs>
-    <ds:schemaRef ds:uri="http://schemas.microsoft.com/office/2006/metadata/properties"/>
-    <ds:schemaRef ds:uri="http://schemas.microsoft.com/office/infopath/2007/PartnerControls"/>
-    <ds:schemaRef ds:uri="83cd2334-221a-48c3-9034-bfd1542dfe28"/>
-  </ds:schemaRefs>
-</ds:datastoreItem>
-</file>
-
-<file path=customXml/itemProps3.xml><?xml version="1.0" encoding="utf-8"?>
-<ds:datastoreItem xmlns:ds="http://schemas.openxmlformats.org/officeDocument/2006/customXml" ds:itemID="{F68D8396-E21C-4AFF-8FDD-70D00673D0EE}">
-  <ds:schemaRefs>
-    <ds:schemaRef ds:uri="http://schemas.microsoft.com/VisualStudio/2011/storyboarding/control"/>
-  </ds:schemaRefs>
-</ds:datastoreItem>
-</file>
-
-<file path=customXml/itemProps30.xml><?xml version="1.0" encoding="utf-8"?>
-<ds:datastoreItem xmlns:ds="http://schemas.openxmlformats.org/officeDocument/2006/customXml" ds:itemID="{71AE1ABA-EE71-4D7C-AE19-D2A04FC317D0}">
-  <ds:schemaRefs>
-    <ds:schemaRef ds:uri="http://schemas.microsoft.com/sharepoint/v3/contenttype/forms"/>
-  </ds:schemaRefs>
-</ds:datastoreItem>
-</file>
-
-<file path=customXml/itemProps31.xml><?xml version="1.0" encoding="utf-8"?>
-<ds:datastoreItem xmlns:ds="http://schemas.openxmlformats.org/officeDocument/2006/customXml" ds:itemID="{A04E0FB3-C79D-4C6D-950F-4E1E151C9D70}">
-  <ds:schemaRefs>
-    <ds:schemaRef ds:uri="http://schemas.microsoft.com/sharepoint/v3/contenttype/forms"/>
-  </ds:schemaRefs>
-</ds:datastoreItem>
-</file>
-
-<file path=customXml/itemProps32.xml><?xml version="1.0" encoding="utf-8"?>
-<ds:datastoreItem xmlns:ds="http://schemas.openxmlformats.org/officeDocument/2006/customXml" ds:itemID="{4D2DC492-0615-4887-9A7E-502F1DC6E1B8}">
-  <ds:schemaRefs>
-    <ds:schemaRef ds:uri="http://schemas.microsoft.com/office/2006/metadata/properties"/>
-    <ds:schemaRef ds:uri="http://schemas.microsoft.com/office/infopath/2007/PartnerControls"/>
-    <ds:schemaRef ds:uri="83cd2334-221a-48c3-9034-bfd1542dfe28"/>
-  </ds:schemaRefs>
-</ds:datastoreItem>
-</file>
-
-<file path=customXml/itemProps33.xml><?xml version="1.0" encoding="utf-8"?>
-<ds:datastoreItem xmlns:ds="http://schemas.openxmlformats.org/officeDocument/2006/customXml" ds:itemID="{8893E80D-6D0C-4E0F-AA22-E5615BB87E5B}">
-  <ds:schemaRefs>
-    <ds:schemaRef ds:uri="http://schemas.microsoft.com/VisualStudio/2011/storyboarding/control"/>
-  </ds:schemaRefs>
-</ds:datastoreItem>
-</file>
-
-<file path=customXml/itemProps34.xml><?xml version="1.0" encoding="utf-8"?>
-<ds:datastoreItem xmlns:ds="http://schemas.openxmlformats.org/officeDocument/2006/customXml" ds:itemID="{0282FB20-2D4C-459D-8468-77D1D3C6925D}">
-  <ds:schemaRefs>
-    <ds:schemaRef ds:uri="http://schemas.microsoft.com/VisualStudio/2011/storyboarding/control"/>
-  </ds:schemaRefs>
-</ds:datastoreItem>
-</file>
-
-<file path=customXml/itemProps35.xml><?xml version="1.0" encoding="utf-8"?>
-<ds:datastoreItem xmlns:ds="http://schemas.openxmlformats.org/officeDocument/2006/customXml" ds:itemID="{F8161C77-CF0F-4477-84AB-9F5BE9DE94F0}">
-  <ds:schemaRefs>
-    <ds:schemaRef ds:uri="http://schemas.microsoft.com/office/2006/metadata/properties"/>
-    <ds:schemaRef ds:uri="http://schemas.microsoft.com/office/infopath/2007/PartnerControls"/>
-    <ds:schemaRef ds:uri="83cd2334-221a-48c3-9034-bfd1542dfe28"/>
-  </ds:schemaRefs>
-</ds:datastoreItem>
-</file>
-
-<file path=customXml/itemProps36.xml><?xml version="1.0" encoding="utf-8"?>
-<ds:datastoreItem xmlns:ds="http://schemas.openxmlformats.org/officeDocument/2006/customXml" ds:itemID="{C63AC2F0-1DEB-4E91-A88A-7A014A172F4F}">
-  <ds:schemaRefs>
-    <ds:schemaRef ds:uri="http://schemas.microsoft.com/VisualStudio/2011/storyboarding/control"/>
-  </ds:schemaRefs>
-</ds:datastoreItem>
-</file>
-
-<file path=customXml/itemProps37.xml><?xml version="1.0" encoding="utf-8"?>
+<file path=customXml/itemProps5.xml><?xml version="1.0" encoding="utf-8"?>
 <ds:datastoreItem xmlns:ds="http://schemas.openxmlformats.org/officeDocument/2006/customXml" ds:itemID="{CA892322-6599-4C5A-B402-BE6DBAED9B8E}">
   <ds:schemaRefs>
     <ds:schemaRef ds:uri="http://schemas.microsoft.com/office/2006/metadata/properties"/>
@@ -46027,89 +46126,7 @@
 </ds:datastoreItem>
 </file>
 
-<file path=customXml/itemProps38.xml><?xml version="1.0" encoding="utf-8"?>
-<ds:datastoreItem xmlns:ds="http://schemas.openxmlformats.org/officeDocument/2006/customXml" ds:itemID="{7959CC6A-F423-4783-B968-3BCC86A7394E}">
-  <ds:schemaRefs>
-    <ds:schemaRef ds:uri="http://schemas.microsoft.com/VisualStudio/2011/storyboarding/control"/>
-  </ds:schemaRefs>
-</ds:datastoreItem>
-</file>
-
-<file path=customXml/itemProps39.xml><?xml version="1.0" encoding="utf-8"?>
-<ds:datastoreItem xmlns:ds="http://schemas.openxmlformats.org/officeDocument/2006/customXml" ds:itemID="{38217AA1-CC95-49A9-B284-2ED4D347D7CA}">
-  <ds:schemaRefs>
-    <ds:schemaRef ds:uri="http://schemas.microsoft.com/VisualStudio/2011/storyboarding/control"/>
-  </ds:schemaRefs>
-</ds:datastoreItem>
-</file>
-
-<file path=customXml/itemProps4.xml><?xml version="1.0" encoding="utf-8"?>
-<ds:datastoreItem xmlns:ds="http://schemas.openxmlformats.org/officeDocument/2006/customXml" ds:itemID="{1C76383C-FD09-474B-94B3-126FB1A7D094}">
-  <ds:schemaRefs>
-    <ds:schemaRef ds:uri="http://schemas.microsoft.com/office/2006/metadata/properties"/>
-    <ds:schemaRef ds:uri="http://schemas.microsoft.com/office/infopath/2007/PartnerControls"/>
-    <ds:schemaRef ds:uri="83cd2334-221a-48c3-9034-bfd1542dfe28"/>
-  </ds:schemaRefs>
-</ds:datastoreItem>
-</file>
-
-<file path=customXml/itemProps40.xml><?xml version="1.0" encoding="utf-8"?>
-<ds:datastoreItem xmlns:ds="http://schemas.openxmlformats.org/officeDocument/2006/customXml" ds:itemID="{F785A8A3-C23B-4FA9-8A9A-19A360466D01}">
-  <ds:schemaRefs>
-    <ds:schemaRef ds:uri="http://schemas.microsoft.com/sharepoint/v3/contenttype/forms"/>
-  </ds:schemaRefs>
-</ds:datastoreItem>
-</file>
-
-<file path=customXml/itemProps41.xml><?xml version="1.0" encoding="utf-8"?>
-<ds:datastoreItem xmlns:ds="http://schemas.openxmlformats.org/officeDocument/2006/customXml" ds:itemID="{432851C6-BC05-4673-B853-6D08AB80CDC4}">
-  <ds:schemaRefs>
-    <ds:schemaRef ds:uri="http://schemas.microsoft.com/VisualStudio/2011/storyboarding/control"/>
-  </ds:schemaRefs>
-</ds:datastoreItem>
-</file>
-
-<file path=customXml/itemProps42.xml><?xml version="1.0" encoding="utf-8"?>
-<ds:datastoreItem xmlns:ds="http://schemas.openxmlformats.org/officeDocument/2006/customXml" ds:itemID="{4E805D65-1532-4BB0-8F41-8013167C0009}">
-  <ds:schemaRefs>
-    <ds:schemaRef ds:uri="http://schemas.microsoft.com/VisualStudio/2011/storyboarding/control"/>
-  </ds:schemaRefs>
-</ds:datastoreItem>
-</file>
-
-<file path=customXml/itemProps43.xml><?xml version="1.0" encoding="utf-8"?>
-<ds:datastoreItem xmlns:ds="http://schemas.openxmlformats.org/officeDocument/2006/customXml" ds:itemID="{FE651ABA-5DC1-4ABD-A06E-055AE54B337B}">
-  <ds:schemaRefs>
-    <ds:schemaRef ds:uri="http://schemas.microsoft.com/VisualStudio/2011/storyboarding/control"/>
-  </ds:schemaRefs>
-</ds:datastoreItem>
-</file>
-
-<file path=customXml/itemProps44.xml><?xml version="1.0" encoding="utf-8"?>
-<ds:datastoreItem xmlns:ds="http://schemas.openxmlformats.org/officeDocument/2006/customXml" ds:itemID="{6FB9D450-4C47-4A44-8C0D-C78D8A54C46F}">
-  <ds:schemaRefs>
-    <ds:schemaRef ds:uri="http://schemas.microsoft.com/VisualStudio/2011/storyboarding/control"/>
-  </ds:schemaRefs>
-</ds:datastoreItem>
-</file>
-
-<file path=customXml/itemProps45.xml><?xml version="1.0" encoding="utf-8"?>
-<ds:datastoreItem xmlns:ds="http://schemas.openxmlformats.org/officeDocument/2006/customXml" ds:itemID="{82DB428A-B8F8-483F-8276-095629A8ECDB}">
-  <ds:schemaRefs>
-    <ds:schemaRef ds:uri="http://schemas.microsoft.com/VisualStudio/2011/storyboarding/control"/>
-  </ds:schemaRefs>
-</ds:datastoreItem>
-</file>
-
-<file path=customXml/itemProps46.xml><?xml version="1.0" encoding="utf-8"?>
-<ds:datastoreItem xmlns:ds="http://schemas.openxmlformats.org/officeDocument/2006/customXml" ds:itemID="{4E8278DB-3CDD-48A7-992E-A7596AD335B9}">
-  <ds:schemaRefs>
-    <ds:schemaRef ds:uri="http://schemas.microsoft.com/VisualStudio/2011/storyboarding/control"/>
-  </ds:schemaRefs>
-</ds:datastoreItem>
-</file>
-
-<file path=customXml/itemProps47.xml><?xml version="1.0" encoding="utf-8"?>
+<file path=customXml/itemProps50.xml><?xml version="1.0" encoding="utf-8"?>
 <ds:datastoreItem xmlns:ds="http://schemas.openxmlformats.org/officeDocument/2006/customXml" ds:itemID="{4B16F4FE-7C26-4443-B426-81998D23ED87}">
   <ds:schemaRefs>
     <ds:schemaRef ds:uri="http://schemas.microsoft.com/VisualStudio/2011/storyboarding/control"/>
@@ -46117,75 +46134,7 @@
 </ds:datastoreItem>
 </file>
 
-<file path=customXml/itemProps48.xml><?xml version="1.0" encoding="utf-8"?>
-<ds:datastoreItem xmlns:ds="http://schemas.openxmlformats.org/officeDocument/2006/customXml" ds:itemID="{6B54639E-AC34-4B67-A9D5-6F9852696283}">
-  <ds:schemaRefs>
-    <ds:schemaRef ds:uri="http://schemas.microsoft.com/office/2006/metadata/properties"/>
-    <ds:schemaRef ds:uri="http://schemas.microsoft.com/office/infopath/2007/PartnerControls"/>
-    <ds:schemaRef ds:uri="83cd2334-221a-48c3-9034-bfd1542dfe28"/>
-  </ds:schemaRefs>
-</ds:datastoreItem>
-</file>
-
-<file path=customXml/itemProps49.xml><?xml version="1.0" encoding="utf-8"?>
-<ds:datastoreItem xmlns:ds="http://schemas.openxmlformats.org/officeDocument/2006/customXml" ds:itemID="{D4B5F268-5930-44CD-BDF1-D0A04D4BBC1C}">
-  <ds:schemaRefs>
-    <ds:schemaRef ds:uri="http://schemas.microsoft.com/VisualStudio/2011/storyboarding/control"/>
-  </ds:schemaRefs>
-</ds:datastoreItem>
-</file>
-
-<file path=customXml/itemProps5.xml><?xml version="1.0" encoding="utf-8"?>
-<ds:datastoreItem xmlns:ds="http://schemas.openxmlformats.org/officeDocument/2006/customXml" ds:itemID="{D6FEE829-2115-45B4-8110-670FD454542B}">
-  <ds:schemaRefs>
-    <ds:schemaRef ds:uri="http://schemas.microsoft.com/VisualStudio/2011/storyboarding/control"/>
-  </ds:schemaRefs>
-</ds:datastoreItem>
-</file>
-
-<file path=customXml/itemProps50.xml><?xml version="1.0" encoding="utf-8"?>
-<ds:datastoreItem xmlns:ds="http://schemas.openxmlformats.org/officeDocument/2006/customXml" ds:itemID="{C0F92A87-A216-45A9-B9C0-0515663D35BF}">
-  <ds:schemaRefs>
-    <ds:schemaRef ds:uri="http://schemas.microsoft.com/VisualStudio/2011/storyboarding/control"/>
-  </ds:schemaRefs>
-</ds:datastoreItem>
-</file>
-
 <file path=customXml/itemProps51.xml><?xml version="1.0" encoding="utf-8"?>
-<ds:datastoreItem xmlns:ds="http://schemas.openxmlformats.org/officeDocument/2006/customXml" ds:itemID="{B5105A87-47B6-44F6-97FD-4619C0556604}">
-  <ds:schemaRefs>
-    <ds:schemaRef ds:uri="http://schemas.microsoft.com/VisualStudio/2011/storyboarding/control"/>
-  </ds:schemaRefs>
-</ds:datastoreItem>
-</file>
-
-<file path=customXml/itemProps52.xml><?xml version="1.0" encoding="utf-8"?>
-<ds:datastoreItem xmlns:ds="http://schemas.openxmlformats.org/officeDocument/2006/customXml" ds:itemID="{8257D6BC-B71E-4D95-81E4-A1D4A8174168}">
-  <ds:schemaRefs>
-    <ds:schemaRef ds:uri="http://schemas.microsoft.com/VisualStudio/2011/storyboarding/control"/>
-  </ds:schemaRefs>
-</ds:datastoreItem>
-</file>
-
-<file path=customXml/itemProps53.xml><?xml version="1.0" encoding="utf-8"?>
-<ds:datastoreItem xmlns:ds="http://schemas.openxmlformats.org/officeDocument/2006/customXml" ds:itemID="{0B54C583-7BAB-4080-8093-C5F84F5A225A}">
-  <ds:schemaRefs>
-    <ds:schemaRef ds:uri="http://schemas.microsoft.com/VisualStudio/2011/storyboarding/control"/>
-  </ds:schemaRefs>
-</ds:datastoreItem>
-</file>
-
-<file path=customXml/itemProps6.xml><?xml version="1.0" encoding="utf-8"?>
-<ds:datastoreItem xmlns:ds="http://schemas.openxmlformats.org/officeDocument/2006/customXml" ds:itemID="{F990F116-B58F-4255-B05B-DA3808E0E5C6}">
-  <ds:schemaRefs>
-    <ds:schemaRef ds:uri="http://schemas.microsoft.com/office/2006/metadata/properties"/>
-    <ds:schemaRef ds:uri="http://schemas.microsoft.com/office/infopath/2007/PartnerControls"/>
-    <ds:schemaRef ds:uri="83cd2334-221a-48c3-9034-bfd1542dfe28"/>
-  </ds:schemaRefs>
-</ds:datastoreItem>
-</file>
-
-<file path=customXml/itemProps7.xml><?xml version="1.0" encoding="utf-8"?>
 <ds:datastoreItem xmlns:ds="http://schemas.openxmlformats.org/officeDocument/2006/customXml" ds:itemID="{E692D73E-1478-4790-BEEC-C5C534998F40}">
   <ds:schemaRefs>
     <ds:schemaRef ds:uri="http://schemas.microsoft.com/office/2006/metadata/properties"/>
@@ -46195,8 +46144,40 @@
 </ds:datastoreItem>
 </file>
 
+<file path=customXml/itemProps52.xml><?xml version="1.0" encoding="utf-8"?>
+<ds:datastoreItem xmlns:ds="http://schemas.openxmlformats.org/officeDocument/2006/customXml" ds:itemID="{42D603BF-B513-4201-A599-21BA0F4FFC40}">
+  <ds:schemaRefs>
+    <ds:schemaRef ds:uri="http://schemas.microsoft.com/VisualStudio/2011/storyboarding/control"/>
+  </ds:schemaRefs>
+</ds:datastoreItem>
+</file>
+
+<file path=customXml/itemProps53.xml><?xml version="1.0" encoding="utf-8"?>
+<ds:datastoreItem xmlns:ds="http://schemas.openxmlformats.org/officeDocument/2006/customXml" ds:itemID="{ED350DFE-2319-4AB0-BC96-1D36D125365A}">
+  <ds:schemaRefs>
+    <ds:schemaRef ds:uri="http://schemas.microsoft.com/VisualStudio/2011/storyboarding/control"/>
+  </ds:schemaRefs>
+</ds:datastoreItem>
+</file>
+
+<file path=customXml/itemProps6.xml><?xml version="1.0" encoding="utf-8"?>
+<ds:datastoreItem xmlns:ds="http://schemas.openxmlformats.org/officeDocument/2006/customXml" ds:itemID="{F785A8A3-C23B-4FA9-8A9A-19A360466D01}">
+  <ds:schemaRefs>
+    <ds:schemaRef ds:uri="http://schemas.microsoft.com/sharepoint/v3/contenttype/forms"/>
+  </ds:schemaRefs>
+</ds:datastoreItem>
+</file>
+
+<file path=customXml/itemProps7.xml><?xml version="1.0" encoding="utf-8"?>
+<ds:datastoreItem xmlns:ds="http://schemas.openxmlformats.org/officeDocument/2006/customXml" ds:itemID="{82DB428A-B8F8-483F-8276-095629A8ECDB}">
+  <ds:schemaRefs>
+    <ds:schemaRef ds:uri="http://schemas.microsoft.com/VisualStudio/2011/storyboarding/control"/>
+  </ds:schemaRefs>
+</ds:datastoreItem>
+</file>
+
 <file path=customXml/itemProps8.xml><?xml version="1.0" encoding="utf-8"?>
-<ds:datastoreItem xmlns:ds="http://schemas.openxmlformats.org/officeDocument/2006/customXml" ds:itemID="{3DC6CABD-46E1-4C27-A0B3-616DC56F8E5C}">
+<ds:datastoreItem xmlns:ds="http://schemas.openxmlformats.org/officeDocument/2006/customXml" ds:itemID="{0B54C583-7BAB-4080-8093-C5F84F5A225A}">
   <ds:schemaRefs>
     <ds:schemaRef ds:uri="http://schemas.microsoft.com/VisualStudio/2011/storyboarding/control"/>
   </ds:schemaRefs>
@@ -46204,9 +46185,9 @@
 </file>
 
 <file path=customXml/itemProps9.xml><?xml version="1.0" encoding="utf-8"?>
-<ds:datastoreItem xmlns:ds="http://schemas.openxmlformats.org/officeDocument/2006/customXml" ds:itemID="{8CFA17AA-8D1D-41BA-81E2-B1C9B1D8F8E0}">
+<ds:datastoreItem xmlns:ds="http://schemas.openxmlformats.org/officeDocument/2006/customXml" ds:itemID="{D6FEE829-2115-45B4-8110-670FD454542B}">
   <ds:schemaRefs>
-    <ds:schemaRef ds:uri="http://schemas.microsoft.com/sharepoint/v3/contenttype/forms"/>
+    <ds:schemaRef ds:uri="http://schemas.microsoft.com/VisualStudio/2011/storyboarding/control"/>
   </ds:schemaRefs>
 </ds:datastoreItem>
 </file>
--- a/Slides/6 - Dates.pptx
+++ b/Slides/6 - Dates.pptx
@@ -500,7 +500,7 @@
               <a:rPr lang="en-US" smtClean="0">
                 <a:latin typeface="Segoe UI" pitchFamily="34" charset="0"/>
               </a:rPr>
-              <a:t>6/9/2019 4:21 PM</a:t>
+              <a:t>6/17/2019 10:35 AM</a:t>
             </a:fld>
             <a:endParaRPr lang="en-US" dirty="0">
               <a:latin typeface="Segoe UI" pitchFamily="34" charset="0"/>
@@ -778,7 +778,7 @@
           <a:p>
             <a:fld id="{38EEC551-8CDA-4EB6-89BB-2A86C9F091C8}" type="datetime8">
               <a:rPr lang="en-US" smtClean="0"/>
-              <a:t>6/9/2019 4:20 PM</a:t>
+              <a:t>6/17/2019 10:34 AM</a:t>
             </a:fld>
             <a:endParaRPr lang="en-US" dirty="0"/>
           </a:p>
@@ -1112,7 +1112,7 @@
           <a:p>
             <a:fld id="{6108602D-D426-4C00-B215-BFA18C076426}" type="datetime8">
               <a:rPr lang="en-US" smtClean="0"/>
-              <a:t>6/9/2019 4:20 PM</a:t>
+              <a:t>6/17/2019 10:34 AM</a:t>
             </a:fld>
             <a:endParaRPr lang="en-US" dirty="0"/>
           </a:p>
@@ -1277,7 +1277,7 @@
           <a:p>
             <a:fld id="{6108602D-D426-4C00-B215-BFA18C076426}" type="datetime8">
               <a:rPr lang="en-US" smtClean="0"/>
-              <a:t>6/9/2019 4:20 PM</a:t>
+              <a:t>6/17/2019 10:34 AM</a:t>
             </a:fld>
             <a:endParaRPr lang="en-US" dirty="0"/>
           </a:p>
@@ -1442,7 +1442,7 @@
           <a:p>
             <a:fld id="{6108602D-D426-4C00-B215-BFA18C076426}" type="datetime8">
               <a:rPr lang="en-US" smtClean="0"/>
-              <a:t>6/9/2019 4:20 PM</a:t>
+              <a:t>6/17/2019 10:34 AM</a:t>
             </a:fld>
             <a:endParaRPr lang="en-US" dirty="0"/>
           </a:p>
@@ -1607,7 +1607,7 @@
           <a:p>
             <a:fld id="{6108602D-D426-4C00-B215-BFA18C076426}" type="datetime8">
               <a:rPr lang="en-US" smtClean="0"/>
-              <a:t>6/9/2019 4:20 PM</a:t>
+              <a:t>6/17/2019 10:34 AM</a:t>
             </a:fld>
             <a:endParaRPr lang="en-US" dirty="0"/>
           </a:p>
@@ -1772,7 +1772,7 @@
           <a:p>
             <a:fld id="{6108602D-D426-4C00-B215-BFA18C076426}" type="datetime8">
               <a:rPr lang="en-US" smtClean="0"/>
-              <a:t>6/9/2019 4:20 PM</a:t>
+              <a:t>6/17/2019 10:34 AM</a:t>
             </a:fld>
             <a:endParaRPr lang="en-US" dirty="0"/>
           </a:p>
@@ -1937,7 +1937,7 @@
           <a:p>
             <a:fld id="{6108602D-D426-4C00-B215-BFA18C076426}" type="datetime8">
               <a:rPr lang="en-US" smtClean="0"/>
-              <a:t>6/9/2019 4:25 PM</a:t>
+              <a:t>6/17/2019 10:34 AM</a:t>
             </a:fld>
             <a:endParaRPr lang="en-US" dirty="0"/>
           </a:p>
@@ -42546,13 +42546,18 @@
         <p:spPr>
           <a:xfrm>
             <a:off x="365760" y="1918975"/>
-            <a:ext cx="11704320" cy="3616375"/>
+            <a:ext cx="11704320" cy="3917996"/>
           </a:xfrm>
         </p:spPr>
         <p:txBody>
           <a:bodyPr/>
           <a:lstStyle/>
           <a:p>
+            <a:pPr>
+              <a:lnSpc>
+                <a:spcPct val="100000"/>
+              </a:lnSpc>
+            </a:pPr>
             <a:r>
               <a:rPr lang="en-CA" sz="2800" dirty="0"/>
               <a:t>from datetime import datetime, </a:t>
@@ -42564,6 +42569,11 @@
             <a:endParaRPr lang="en-CA" sz="2800" dirty="0"/>
           </a:p>
           <a:p>
+            <a:pPr>
+              <a:lnSpc>
+                <a:spcPct val="100000"/>
+              </a:lnSpc>
+            </a:pPr>
             <a:r>
               <a:rPr lang="en-CA" sz="2800" dirty="0"/>
               <a:t>birthday = input(</a:t>
@@ -42664,6 +42674,11 @@
             </a:r>
           </a:p>
           <a:p>
+            <a:pPr>
+              <a:lnSpc>
+                <a:spcPct val="100000"/>
+              </a:lnSpc>
+            </a:pPr>
             <a:r>
               <a:rPr lang="en-US" sz="2800" dirty="0" err="1">
                 <a:highlight>
@@ -42698,6 +42713,11 @@
             </a:r>
           </a:p>
           <a:p>
+            <a:pPr>
+              <a:lnSpc>
+                <a:spcPct val="100000"/>
+              </a:lnSpc>
+            </a:pPr>
             <a:r>
               <a:rPr lang="en-US" sz="2800" dirty="0" err="1">
                 <a:highlight>
@@ -42745,6 +42765,11 @@
             </a:endParaRPr>
           </a:p>
           <a:p>
+            <a:pPr>
+              <a:lnSpc>
+                <a:spcPct val="100000"/>
+              </a:lnSpc>
+            </a:pPr>
             <a:r>
               <a:rPr lang="en-US" sz="2800" dirty="0"/>
               <a:t>print('Day before birthday: ' + str(</a:t>
@@ -45046,33 +45071,18 @@
 </file>
 
 <file path=customXml/item1.xml><?xml version="1.0" encoding="utf-8"?>
-<p:properties xmlns:p="http://schemas.microsoft.com/office/2006/metadata/properties" xmlns:xsi="http://www.w3.org/2001/XMLSchema-instance" xmlns:pc="http://schemas.microsoft.com/office/infopath/2007/PartnerControls">
-  <documentManagement>
-    <SharedWithUsers xmlns="83cd2334-221a-48c3-9034-bfd1542dfe28">
-      <UserInfo>
-        <DisplayName>Gilad Turbahn</DisplayName>
-        <AccountId>511</AccountId>
-        <AccountType/>
-      </UserInfo>
-      <UserInfo>
-        <DisplayName>Keith Boyd</DisplayName>
-        <AccountId>993</AccountId>
-        <AccountType/>
-      </UserInfo>
-      <UserInfo>
-        <DisplayName>Christopher Harrison</DisplayName>
-        <AccountId>1176</AccountId>
-        <AccountType/>
-      </UserInfo>
-    </SharedWithUsers>
-  </documentManagement>
-</p:properties>
+<Control xmlns="http://schemas.microsoft.com/VisualStudio/2011/storyboarding/control">
+  <Id Name="d69996e1-3d61-4686-9b63-f1b855c596ab" Revision="1" Stencil="7276b9ef-3953-4dce-a89b-ed85f20b8b93" StencilVersion="1.0"/>
+</Control>
 </file>
 
 <file path=customXml/item10.xml><?xml version="1.0" encoding="utf-8"?>
-<Control xmlns="http://schemas.microsoft.com/VisualStudio/2011/storyboarding/control">
-  <Id Name="fb22c541-ded0-47fa-8877-83a4c2d16227" Revision="1" Stencil="7276b9ef-3953-4dce-a89b-ed85f20b8b93" StencilVersion="1.0"/>
-</Control>
+<?mso-contentType ?>
+<FormTemplates xmlns="http://schemas.microsoft.com/sharepoint/v3/contenttype/forms">
+  <Display>DocumentLibraryForm</Display>
+  <Edit>DocumentLibraryForm</Edit>
+  <New>DocumentLibraryForm</New>
+</FormTemplates>
 </file>
 
 <file path=customXml/item11.xml><?xml version="1.0" encoding="utf-8"?>
@@ -45101,7 +45111,7 @@
 
 <file path=customXml/item12.xml><?xml version="1.0" encoding="utf-8"?>
 <Control xmlns="http://schemas.microsoft.com/VisualStudio/2011/storyboarding/control">
-  <Id Name="a2191c86-fc50-4add-948c-129f6b5a88d8" Revision="1" Stencil="7276b9ef-3953-4dce-a89b-ed85f20b8b93" StencilVersion="1.0"/>
+  <Id Name="d69996e1-3d61-4686-9b63-f1b855c596ab" Revision="1" Stencil="7276b9ef-3953-4dce-a89b-ed85f20b8b93" StencilVersion="1.0"/>
 </Control>
 </file>
 
@@ -45112,15 +45122,6 @@
 </file>
 
 <file path=customXml/item14.xml><?xml version="1.0" encoding="utf-8"?>
-<?mso-contentType ?>
-<FormTemplates xmlns="http://schemas.microsoft.com/sharepoint/v3/contenttype/forms">
-  <Display>DocumentLibraryForm</Display>
-  <Edit>DocumentLibraryForm</Edit>
-  <New>DocumentLibraryForm</New>
-</FormTemplates>
-</file>
-
-<file path=customXml/item15.xml><?xml version="1.0" encoding="utf-8"?>
 <p:properties xmlns:p="http://schemas.microsoft.com/office/2006/metadata/properties" xmlns:xsi="http://www.w3.org/2001/XMLSchema-instance" xmlns:pc="http://schemas.microsoft.com/office/infopath/2007/PartnerControls">
   <documentManagement>
     <SharedWithUsers xmlns="83cd2334-221a-48c3-9034-bfd1542dfe28">
@@ -45144,10 +45145,37 @@
 </p:properties>
 </file>
 
+<file path=customXml/item15.xml><?xml version="1.0" encoding="utf-8"?>
+<?mso-contentType ?>
+<FormTemplates xmlns="http://schemas.microsoft.com/sharepoint/v3/contenttype/forms">
+  <Display>DocumentLibraryForm</Display>
+  <Edit>DocumentLibraryForm</Edit>
+  <New>DocumentLibraryForm</New>
+</FormTemplates>
+</file>
+
 <file path=customXml/item16.xml><?xml version="1.0" encoding="utf-8"?>
-<Control xmlns="http://schemas.microsoft.com/VisualStudio/2011/storyboarding/control">
-  <Id Name="369f9055-6b6c-48b9-9320-5df2d46c430a" Revision="1" Stencil="7276b9ef-3953-4dce-a89b-ed85f20b8b93" StencilVersion="1.0"/>
-</Control>
+<p:properties xmlns:p="http://schemas.microsoft.com/office/2006/metadata/properties" xmlns:xsi="http://www.w3.org/2001/XMLSchema-instance" xmlns:pc="http://schemas.microsoft.com/office/infopath/2007/PartnerControls">
+  <documentManagement>
+    <SharedWithUsers xmlns="83cd2334-221a-48c3-9034-bfd1542dfe28">
+      <UserInfo>
+        <DisplayName>Gilad Turbahn</DisplayName>
+        <AccountId>511</AccountId>
+        <AccountType/>
+      </UserInfo>
+      <UserInfo>
+        <DisplayName>Keith Boyd</DisplayName>
+        <AccountId>993</AccountId>
+        <AccountType/>
+      </UserInfo>
+      <UserInfo>
+        <DisplayName>Christopher Harrison</DisplayName>
+        <AccountId>1176</AccountId>
+        <AccountType/>
+      </UserInfo>
+    </SharedWithUsers>
+  </documentManagement>
+</p:properties>
 </file>
 
 <file path=customXml/item17.xml><?xml version="1.0" encoding="utf-8"?>
@@ -45188,23 +45216,65 @@
 
 <file path=customXml/item2.xml><?xml version="1.0" encoding="utf-8"?>
 <Control xmlns="http://schemas.microsoft.com/VisualStudio/2011/storyboarding/control">
-  <Id Name="fb22c541-ded0-47fa-8877-83a4c2d16227" Revision="1" Stencil="7276b9ef-3953-4dce-a89b-ed85f20b8b93" StencilVersion="1.0"/>
+  <Id Name="a2191c86-fc50-4add-948c-129f6b5a88d8" Revision="1" Stencil="7276b9ef-3953-4dce-a89b-ed85f20b8b93" StencilVersion="1.0"/>
 </Control>
 </file>
 
 <file path=customXml/item20.xml><?xml version="1.0" encoding="utf-8"?>
 <Control xmlns="http://schemas.microsoft.com/VisualStudio/2011/storyboarding/control">
-  <Id Name="a53d73d2-368b-429e-b817-1324eec1382c" Revision="1" Stencil="7276b9ef-3953-4dce-a89b-ed85f20b8b93" StencilVersion="1.0"/>
+  <Id Name="369f9055-6b6c-48b9-9320-5df2d46c430a" Revision="1" Stencil="7276b9ef-3953-4dce-a89b-ed85f20b8b93" StencilVersion="1.0"/>
 </Control>
 </file>
 
 <file path=customXml/item21.xml><?xml version="1.0" encoding="utf-8"?>
 <Control xmlns="http://schemas.microsoft.com/VisualStudio/2011/storyboarding/control">
-  <Id Name="a2191c86-fc50-4add-948c-129f6b5a88d8" Revision="1" Stencil="7276b9ef-3953-4dce-a89b-ed85f20b8b93" StencilVersion="1.0"/>
+  <Id Name="a53d73d2-368b-429e-b817-1324eec1382c" Revision="1" Stencil="7276b9ef-3953-4dce-a89b-ed85f20b8b93" StencilVersion="1.0"/>
 </Control>
 </file>
 
 <file path=customXml/item22.xml><?xml version="1.0" encoding="utf-8"?>
+<Control xmlns="http://schemas.microsoft.com/VisualStudio/2011/storyboarding/control">
+  <Id Name="fb22c541-ded0-47fa-8877-83a4c2d16227" Revision="1" Stencil="7276b9ef-3953-4dce-a89b-ed85f20b8b93" StencilVersion="1.0"/>
+</Control>
+</file>
+
+<file path=customXml/item23.xml><?xml version="1.0" encoding="utf-8"?>
+<Control xmlns="http://schemas.microsoft.com/VisualStudio/2011/storyboarding/control">
+  <Id Name="fb22c541-ded0-47fa-8877-83a4c2d16227" Revision="1" Stencil="7276b9ef-3953-4dce-a89b-ed85f20b8b93" StencilVersion="1.0"/>
+</Control>
+</file>
+
+<file path=customXml/item24.xml><?xml version="1.0" encoding="utf-8"?>
+<?mso-contentType ?>
+<FormTemplates xmlns="http://schemas.microsoft.com/sharepoint/v3/contenttype/forms">
+  <Display>DocumentLibraryForm</Display>
+  <Edit>DocumentLibraryForm</Edit>
+  <New>DocumentLibraryForm</New>
+</FormTemplates>
+</file>
+
+<file path=customXml/item25.xml><?xml version="1.0" encoding="utf-8"?>
+<Control xmlns="http://schemas.microsoft.com/VisualStudio/2011/storyboarding/control">
+  <Id Name="369f9055-6b6c-48b9-9320-5df2d46c430a" Revision="1" Stencil="7276b9ef-3953-4dce-a89b-ed85f20b8b93" StencilVersion="1.0"/>
+</Control>
+</file>
+
+<file path=customXml/item26.xml><?xml version="1.0" encoding="utf-8"?>
+<Control xmlns="http://schemas.microsoft.com/VisualStudio/2011/storyboarding/control">
+  <Id Name="369f9055-6b6c-48b9-9320-5df2d46c430a" Revision="1" Stencil="7276b9ef-3953-4dce-a89b-ed85f20b8b93" StencilVersion="1.0"/>
+</Control>
+</file>
+
+<file path=customXml/item27.xml><?xml version="1.0" encoding="utf-8"?>
+<?mso-contentType ?>
+<FormTemplates xmlns="http://schemas.microsoft.com/sharepoint/v3/contenttype/forms">
+  <Display>DocumentLibraryForm</Display>
+  <Edit>DocumentLibraryForm</Edit>
+  <New>DocumentLibraryForm</New>
+</FormTemplates>
+</file>
+
+<file path=customXml/item28.xml><?xml version="1.0" encoding="utf-8"?>
 <ct:contentTypeSchema xmlns:ct="http://schemas.microsoft.com/office/2006/metadata/contentType" xmlns:ma="http://schemas.microsoft.com/office/2006/metadata/properties/metaAttributes" ct:_="" ma:_="" ma:contentTypeName="Document" ma:contentTypeID="0x010100674EDBEC711BD14FBA6FF5C10FEFEAC7" ma:contentTypeVersion="2" ma:contentTypeDescription="Create a new document." ma:contentTypeScope="" ma:versionID="2439c5e21841780d4f192983b535a097">
   <xsd:schema xmlns:xsd="http://www.w3.org/2001/XMLSchema" xmlns:xs="http://www.w3.org/2001/XMLSchema" xmlns:p="http://schemas.microsoft.com/office/2006/metadata/properties" xmlns:ns2="83cd2334-221a-48c3-9034-bfd1542dfe28" targetNamespace="http://schemas.microsoft.com/office/2006/metadata/properties" ma:root="true" ma:fieldsID="2bca9163d8d0b233c3086236a9289b04" ns2:_="">
     <xsd:import namespace="83cd2334-221a-48c3-9034-bfd1542dfe28"/>
@@ -45352,45 +45422,6 @@
 </ct:contentTypeSchema>
 </file>
 
-<file path=customXml/item23.xml><?xml version="1.0" encoding="utf-8"?>
-<Control xmlns="http://schemas.microsoft.com/VisualStudio/2011/storyboarding/control">
-  <Id Name="d69996e1-3d61-4686-9b63-f1b855c596ab" Revision="1" Stencil="7276b9ef-3953-4dce-a89b-ed85f20b8b93" StencilVersion="1.0"/>
-</Control>
-</file>
-
-<file path=customXml/item24.xml><?xml version="1.0" encoding="utf-8"?>
-<Control xmlns="http://schemas.microsoft.com/VisualStudio/2011/storyboarding/control">
-  <Id Name="a53d73d2-368b-429e-b817-1324eec1382c" Revision="1" Stencil="7276b9ef-3953-4dce-a89b-ed85f20b8b93" StencilVersion="1.0"/>
-</Control>
-</file>
-
-<file path=customXml/item25.xml><?xml version="1.0" encoding="utf-8"?>
-<Control xmlns="http://schemas.microsoft.com/VisualStudio/2011/storyboarding/control">
-  <Id Name="369f9055-6b6c-48b9-9320-5df2d46c430a" Revision="1" Stencil="7276b9ef-3953-4dce-a89b-ed85f20b8b93" StencilVersion="1.0"/>
-</Control>
-</file>
-
-<file path=customXml/item26.xml><?xml version="1.0" encoding="utf-8"?>
-<Control xmlns="http://schemas.microsoft.com/VisualStudio/2011/storyboarding/control">
-  <Id Name="fb22c541-ded0-47fa-8877-83a4c2d16227" Revision="1" Stencil="7276b9ef-3953-4dce-a89b-ed85f20b8b93" StencilVersion="1.0"/>
-</Control>
-</file>
-
-<file path=customXml/item27.xml><?xml version="1.0" encoding="utf-8"?>
-<?mso-contentType ?>
-<FormTemplates xmlns="http://schemas.microsoft.com/sharepoint/v3/contenttype/forms">
-  <Display>DocumentLibraryForm</Display>
-  <Edit>DocumentLibraryForm</Edit>
-  <New>DocumentLibraryForm</New>
-</FormTemplates>
-</file>
-
-<file path=customXml/item28.xml><?xml version="1.0" encoding="utf-8"?>
-<Control xmlns="http://schemas.microsoft.com/VisualStudio/2011/storyboarding/control">
-  <Id Name="fb22c541-ded0-47fa-8877-83a4c2d16227" Revision="1" Stencil="7276b9ef-3953-4dce-a89b-ed85f20b8b93" StencilVersion="1.0"/>
-</Control>
-</file>
-
 <file path=customXml/item29.xml><?xml version="1.0" encoding="utf-8"?>
 <?mso-contentType ?>
 <FormTemplates xmlns="http://schemas.microsoft.com/sharepoint/v3/contenttype/forms">
@@ -45401,12 +45432,9 @@
 </file>
 
 <file path=customXml/item3.xml><?xml version="1.0" encoding="utf-8"?>
-<?mso-contentType ?>
-<FormTemplates xmlns="http://schemas.microsoft.com/sharepoint/v3/contenttype/forms">
-  <Display>DocumentLibraryForm</Display>
-  <Edit>DocumentLibraryForm</Edit>
-  <New>DocumentLibraryForm</New>
-</FormTemplates>
+<Control xmlns="http://schemas.microsoft.com/VisualStudio/2011/storyboarding/control">
+  <Id Name="369f9055-6b6c-48b9-9320-5df2d46c430a" Revision="1" Stencil="7276b9ef-3953-4dce-a89b-ed85f20b8b93" StencilVersion="1.0"/>
+</Control>
 </file>
 
 <file path=customXml/item30.xml><?xml version="1.0" encoding="utf-8"?>
@@ -45434,6 +45462,18 @@
 </file>
 
 <file path=customXml/item31.xml><?xml version="1.0" encoding="utf-8"?>
+<Control xmlns="http://schemas.microsoft.com/VisualStudio/2011/storyboarding/control">
+  <Id Name="a2191c86-fc50-4add-948c-129f6b5a88d8" Revision="1" Stencil="7276b9ef-3953-4dce-a89b-ed85f20b8b93" StencilVersion="1.0"/>
+</Control>
+</file>
+
+<file path=customXml/item32.xml><?xml version="1.0" encoding="utf-8"?>
+<Control xmlns="http://schemas.microsoft.com/VisualStudio/2011/storyboarding/control">
+  <Id Name="d69996e1-3d61-4686-9b63-f1b855c596ab" Revision="1" Stencil="7276b9ef-3953-4dce-a89b-ed85f20b8b93" StencilVersion="1.0"/>
+</Control>
+</file>
+
+<file path=customXml/item33.xml><?xml version="1.0" encoding="utf-8"?>
 <?mso-contentType ?>
 <FormTemplates xmlns="http://schemas.microsoft.com/sharepoint/v3/contenttype/forms">
   <Display>DocumentLibraryForm</Display>
@@ -45442,16 +45482,7 @@
 </FormTemplates>
 </file>
 
-<file path=customXml/item32.xml><?xml version="1.0" encoding="utf-8"?>
-<?mso-contentType ?>
-<FormTemplates xmlns="http://schemas.microsoft.com/sharepoint/v3/contenttype/forms">
-  <Display>DocumentLibraryForm</Display>
-  <Edit>DocumentLibraryForm</Edit>
-  <New>DocumentLibraryForm</New>
-</FormTemplates>
-</file>
-
-<file path=customXml/item33.xml><?xml version="1.0" encoding="utf-8"?>
+<file path=customXml/item34.xml><?xml version="1.0" encoding="utf-8"?>
 <p:properties xmlns:p="http://schemas.microsoft.com/office/2006/metadata/properties" xmlns:xsi="http://www.w3.org/2001/XMLSchema-instance" xmlns:pc="http://schemas.microsoft.com/office/infopath/2007/PartnerControls">
   <documentManagement>
     <SharedWithUsers xmlns="83cd2334-221a-48c3-9034-bfd1542dfe28">
@@ -45475,46 +45506,19 @@
 </p:properties>
 </file>
 
-<file path=customXml/item34.xml><?xml version="1.0" encoding="utf-8"?>
+<file path=customXml/item35.xml><?xml version="1.0" encoding="utf-8"?>
 <Control xmlns="http://schemas.microsoft.com/VisualStudio/2011/storyboarding/control">
-  <Id Name="d69996e1-3d61-4686-9b63-f1b855c596ab" Revision="1" Stencil="7276b9ef-3953-4dce-a89b-ed85f20b8b93" StencilVersion="1.0"/>
+  <Id Name="fb22c541-ded0-47fa-8877-83a4c2d16227" Revision="1" Stencil="7276b9ef-3953-4dce-a89b-ed85f20b8b93" StencilVersion="1.0"/>
 </Control>
 </file>
 
-<file path=customXml/item35.xml><?xml version="1.0" encoding="utf-8"?>
+<file path=customXml/item36.xml><?xml version="1.0" encoding="utf-8"?>
 <Control xmlns="http://schemas.microsoft.com/VisualStudio/2011/storyboarding/control">
   <Id Name="a2191c86-fc50-4add-948c-129f6b5a88d8" Revision="1" Stencil="7276b9ef-3953-4dce-a89b-ed85f20b8b93" StencilVersion="1.0"/>
 </Control>
 </file>
 
-<file path=customXml/item36.xml><?xml version="1.0" encoding="utf-8"?>
-<Control xmlns="http://schemas.microsoft.com/VisualStudio/2011/storyboarding/control">
-  <Id Name="369f9055-6b6c-48b9-9320-5df2d46c430a" Revision="1" Stencil="7276b9ef-3953-4dce-a89b-ed85f20b8b93" StencilVersion="1.0"/>
-</Control>
-</file>
-
 <file path=customXml/item37.xml><?xml version="1.0" encoding="utf-8"?>
-<?mso-contentType ?>
-<FormTemplates xmlns="http://schemas.microsoft.com/sharepoint/v3/contenttype/forms">
-  <Display>DocumentLibraryForm</Display>
-  <Edit>DocumentLibraryForm</Edit>
-  <New>DocumentLibraryForm</New>
-</FormTemplates>
-</file>
-
-<file path=customXml/item38.xml><?xml version="1.0" encoding="utf-8"?>
-<Control xmlns="http://schemas.microsoft.com/VisualStudio/2011/storyboarding/control">
-  <Id Name="a53d73d2-368b-429e-b817-1324eec1382c" Revision="1" Stencil="7276b9ef-3953-4dce-a89b-ed85f20b8b93" StencilVersion="1.0"/>
-</Control>
-</file>
-
-<file path=customXml/item39.xml><?xml version="1.0" encoding="utf-8"?>
-<Control xmlns="http://schemas.microsoft.com/VisualStudio/2011/storyboarding/control">
-  <Id Name="a2191c86-fc50-4add-948c-129f6b5a88d8" Revision="1" Stencil="7276b9ef-3953-4dce-a89b-ed85f20b8b93" StencilVersion="1.0"/>
-</Control>
-</file>
-
-<file path=customXml/item4.xml><?xml version="1.0" encoding="utf-8"?>
 <p:properties xmlns:p="http://schemas.microsoft.com/office/2006/metadata/properties" xmlns:xsi="http://www.w3.org/2001/XMLSchema-instance" xmlns:pc="http://schemas.microsoft.com/office/infopath/2007/PartnerControls">
   <documentManagement>
     <SharedWithUsers xmlns="83cd2334-221a-48c3-9034-bfd1542dfe28">
@@ -45536,6 +45540,27 @@
     </SharedWithUsers>
   </documentManagement>
 </p:properties>
+</file>
+
+<file path=customXml/item38.xml><?xml version="1.0" encoding="utf-8"?>
+<?mso-contentType ?>
+<FormTemplates xmlns="http://schemas.microsoft.com/sharepoint/v3/contenttype/forms">
+  <Display>DocumentLibraryForm</Display>
+  <Edit>DocumentLibraryForm</Edit>
+  <New>DocumentLibraryForm</New>
+</FormTemplates>
+</file>
+
+<file path=customXml/item39.xml><?xml version="1.0" encoding="utf-8"?>
+<Control xmlns="http://schemas.microsoft.com/VisualStudio/2011/storyboarding/control">
+  <Id Name="a2191c86-fc50-4add-948c-129f6b5a88d8" Revision="1" Stencil="7276b9ef-3953-4dce-a89b-ed85f20b8b93" StencilVersion="1.0"/>
+</Control>
+</file>
+
+<file path=customXml/item4.xml><?xml version="1.0" encoding="utf-8"?>
+<Control xmlns="http://schemas.microsoft.com/VisualStudio/2011/storyboarding/control">
+  <Id Name="fb22c541-ded0-47fa-8877-83a4c2d16227" Revision="1" Stencil="7276b9ef-3953-4dce-a89b-ed85f20b8b93" StencilVersion="1.0"/>
+</Control>
 </file>
 
 <file path=customXml/item40.xml><?xml version="1.0" encoding="utf-8"?>
@@ -45563,48 +45588,12 @@
 </file>
 
 <file path=customXml/item41.xml><?xml version="1.0" encoding="utf-8"?>
-<?mso-contentType ?>
-<FormTemplates xmlns="http://schemas.microsoft.com/sharepoint/v3/contenttype/forms">
-  <Display>DocumentLibraryForm</Display>
-  <Edit>DocumentLibraryForm</Edit>
-  <New>DocumentLibraryForm</New>
-</FormTemplates>
-</file>
-
-<file path=customXml/item42.xml><?xml version="1.0" encoding="utf-8"?>
-<?mso-contentType ?>
-<FormTemplates xmlns="http://schemas.microsoft.com/sharepoint/v3/contenttype/forms">
-  <Display>DocumentLibraryForm</Display>
-  <Edit>DocumentLibraryForm</Edit>
-  <New>DocumentLibraryForm</New>
-</FormTemplates>
-</file>
-
-<file path=customXml/item43.xml><?xml version="1.0" encoding="utf-8"?>
-<Control xmlns="http://schemas.microsoft.com/VisualStudio/2011/storyboarding/control">
-  <Id Name="d69996e1-3d61-4686-9b63-f1b855c596ab" Revision="1" Stencil="7276b9ef-3953-4dce-a89b-ed85f20b8b93" StencilVersion="1.0"/>
-</Control>
-</file>
-
-<file path=customXml/item44.xml><?xml version="1.0" encoding="utf-8"?>
 <Control xmlns="http://schemas.microsoft.com/VisualStudio/2011/storyboarding/control">
   <Id Name="369f9055-6b6c-48b9-9320-5df2d46c430a" Revision="1" Stencil="7276b9ef-3953-4dce-a89b-ed85f20b8b93" StencilVersion="1.0"/>
 </Control>
 </file>
 
-<file path=customXml/item45.xml><?xml version="1.0" encoding="utf-8"?>
-<Control xmlns="http://schemas.microsoft.com/VisualStudio/2011/storyboarding/control">
-  <Id Name="d69996e1-3d61-4686-9b63-f1b855c596ab" Revision="1" Stencil="7276b9ef-3953-4dce-a89b-ed85f20b8b93" StencilVersion="1.0"/>
-</Control>
-</file>
-
-<file path=customXml/item46.xml><?xml version="1.0" encoding="utf-8"?>
-<Control xmlns="http://schemas.microsoft.com/VisualStudio/2011/storyboarding/control">
-  <Id Name="d69996e1-3d61-4686-9b63-f1b855c596ab" Revision="1" Stencil="7276b9ef-3953-4dce-a89b-ed85f20b8b93" StencilVersion="1.0"/>
-</Control>
-</file>
-
-<file path=customXml/item47.xml><?xml version="1.0" encoding="utf-8"?>
+<file path=customXml/item42.xml><?xml version="1.0" encoding="utf-8"?>
 <p:properties xmlns:p="http://schemas.microsoft.com/office/2006/metadata/properties" xmlns:xsi="http://www.w3.org/2001/XMLSchema-instance" xmlns:pc="http://schemas.microsoft.com/office/infopath/2007/PartnerControls">
   <documentManagement>
     <SharedWithUsers xmlns="83cd2334-221a-48c3-9034-bfd1542dfe28">
@@ -45628,7 +45617,25 @@
 </p:properties>
 </file>
 
-<file path=customXml/item48.xml><?xml version="1.0" encoding="utf-8"?>
+<file path=customXml/item43.xml><?xml version="1.0" encoding="utf-8"?>
+<Control xmlns="http://schemas.microsoft.com/VisualStudio/2011/storyboarding/control">
+  <Id Name="a53d73d2-368b-429e-b817-1324eec1382c" Revision="1" Stencil="7276b9ef-3953-4dce-a89b-ed85f20b8b93" StencilVersion="1.0"/>
+</Control>
+</file>
+
+<file path=customXml/item44.xml><?xml version="1.0" encoding="utf-8"?>
+<Control xmlns="http://schemas.microsoft.com/VisualStudio/2011/storyboarding/control">
+  <Id Name="d69996e1-3d61-4686-9b63-f1b855c596ab" Revision="1" Stencil="7276b9ef-3953-4dce-a89b-ed85f20b8b93" StencilVersion="1.0"/>
+</Control>
+</file>
+
+<file path=customXml/item45.xml><?xml version="1.0" encoding="utf-8"?>
+<Control xmlns="http://schemas.microsoft.com/VisualStudio/2011/storyboarding/control">
+  <Id Name="a53d73d2-368b-429e-b817-1324eec1382c" Revision="1" Stencil="7276b9ef-3953-4dce-a89b-ed85f20b8b93" StencilVersion="1.0"/>
+</Control>
+</file>
+
+<file path=customXml/item46.xml><?xml version="1.0" encoding="utf-8"?>
 <?mso-contentType ?>
 <FormTemplates xmlns="http://schemas.microsoft.com/sharepoint/v3/contenttype/forms">
   <Display>DocumentLibraryForm</Display>
@@ -45637,13 +45644,52 @@
 </FormTemplates>
 </file>
 
-<file path=customXml/item49.xml><?xml version="1.0" encoding="utf-8"?>
+<file path=customXml/item47.xml><?xml version="1.0" encoding="utf-8"?>
+<Control xmlns="http://schemas.microsoft.com/VisualStudio/2011/storyboarding/control">
+  <Id Name="fb22c541-ded0-47fa-8877-83a4c2d16227" Revision="1" Stencil="7276b9ef-3953-4dce-a89b-ed85f20b8b93" StencilVersion="1.0"/>
+</Control>
+</file>
+
+<file path=customXml/item48.xml><?xml version="1.0" encoding="utf-8"?>
 <Control xmlns="http://schemas.microsoft.com/VisualStudio/2011/storyboarding/control">
   <Id Name="a53d73d2-368b-429e-b817-1324eec1382c" Revision="1" Stencil="7276b9ef-3953-4dce-a89b-ed85f20b8b93" StencilVersion="1.0"/>
 </Control>
 </file>
 
+<file path=customXml/item49.xml><?xml version="1.0" encoding="utf-8"?>
+<Control xmlns="http://schemas.microsoft.com/VisualStudio/2011/storyboarding/control">
+  <Id Name="d69996e1-3d61-4686-9b63-f1b855c596ab" Revision="1" Stencil="7276b9ef-3953-4dce-a89b-ed85f20b8b93" StencilVersion="1.0"/>
+</Control>
+</file>
+
 <file path=customXml/item5.xml><?xml version="1.0" encoding="utf-8"?>
+<Control xmlns="http://schemas.microsoft.com/VisualStudio/2011/storyboarding/control">
+  <Id Name="369f9055-6b6c-48b9-9320-5df2d46c430a" Revision="1" Stencil="7276b9ef-3953-4dce-a89b-ed85f20b8b93" StencilVersion="1.0"/>
+</Control>
+</file>
+
+<file path=customXml/item50.xml><?xml version="1.0" encoding="utf-8"?>
+<Control xmlns="http://schemas.microsoft.com/VisualStudio/2011/storyboarding/control">
+  <Id Name="a2191c86-fc50-4add-948c-129f6b5a88d8" Revision="1" Stencil="7276b9ef-3953-4dce-a89b-ed85f20b8b93" StencilVersion="1.0"/>
+</Control>
+</file>
+
+<file path=customXml/item51.xml><?xml version="1.0" encoding="utf-8"?>
+<Control xmlns="http://schemas.microsoft.com/VisualStudio/2011/storyboarding/control">
+  <Id Name="a2191c86-fc50-4add-948c-129f6b5a88d8" Revision="1" Stencil="7276b9ef-3953-4dce-a89b-ed85f20b8b93" StencilVersion="1.0"/>
+</Control>
+</file>
+
+<file path=customXml/item52.xml><?xml version="1.0" encoding="utf-8"?>
+<?mso-contentType ?>
+<FormTemplates xmlns="http://schemas.microsoft.com/sharepoint/v3/contenttype/forms">
+  <Display>DocumentLibraryForm</Display>
+  <Edit>DocumentLibraryForm</Edit>
+  <New>DocumentLibraryForm</New>
+</FormTemplates>
+</file>
+
+<file path=customXml/item53.xml><?xml version="1.0" encoding="utf-8"?>
 <p:properties xmlns:p="http://schemas.microsoft.com/office/2006/metadata/properties" xmlns:xsi="http://www.w3.org/2001/XMLSchema-instance" xmlns:pc="http://schemas.microsoft.com/office/infopath/2007/PartnerControls">
   <documentManagement>
     <SharedWithUsers xmlns="83cd2334-221a-48c3-9034-bfd1542dfe28">
@@ -45667,13 +45713,16 @@
 </p:properties>
 </file>
 
-<file path=customXml/item50.xml><?xml version="1.0" encoding="utf-8"?>
-<Control xmlns="http://schemas.microsoft.com/VisualStudio/2011/storyboarding/control">
-  <Id Name="a2191c86-fc50-4add-948c-129f6b5a88d8" Revision="1" Stencil="7276b9ef-3953-4dce-a89b-ed85f20b8b93" StencilVersion="1.0"/>
-</Control>
+<file path=customXml/item6.xml><?xml version="1.0" encoding="utf-8"?>
+<?mso-contentType ?>
+<FormTemplates xmlns="http://schemas.microsoft.com/sharepoint/v3/contenttype/forms">
+  <Display>DocumentLibraryForm</Display>
+  <Edit>DocumentLibraryForm</Edit>
+  <New>DocumentLibraryForm</New>
+</FormTemplates>
 </file>
 
-<file path=customXml/item51.xml><?xml version="1.0" encoding="utf-8"?>
+<file path=customXml/item7.xml><?xml version="1.0" encoding="utf-8"?>
 <p:properties xmlns:p="http://schemas.microsoft.com/office/2006/metadata/properties" xmlns:xsi="http://www.w3.org/2001/XMLSchema-instance" xmlns:pc="http://schemas.microsoft.com/office/infopath/2007/PartnerControls">
   <documentManagement>
     <SharedWithUsers xmlns="83cd2334-221a-48c3-9034-bfd1542dfe28">
@@ -45697,19 +45746,13 @@
 </p:properties>
 </file>
 
-<file path=customXml/item52.xml><?xml version="1.0" encoding="utf-8"?>
-<Control xmlns="http://schemas.microsoft.com/VisualStudio/2011/storyboarding/control">
-  <Id Name="369f9055-6b6c-48b9-9320-5df2d46c430a" Revision="1" Stencil="7276b9ef-3953-4dce-a89b-ed85f20b8b93" StencilVersion="1.0"/>
-</Control>
-</file>
-
-<file path=customXml/item53.xml><?xml version="1.0" encoding="utf-8"?>
+<file path=customXml/item8.xml><?xml version="1.0" encoding="utf-8"?>
 <Control xmlns="http://schemas.microsoft.com/VisualStudio/2011/storyboarding/control">
   <Id Name="a53d73d2-368b-429e-b817-1324eec1382c" Revision="1" Stencil="7276b9ef-3953-4dce-a89b-ed85f20b8b93" StencilVersion="1.0"/>
 </Control>
 </file>
 
-<file path=customXml/item6.xml><?xml version="1.0" encoding="utf-8"?>
+<file path=customXml/item9.xml><?xml version="1.0" encoding="utf-8"?>
 <?mso-contentType ?>
 <FormTemplates xmlns="http://schemas.microsoft.com/sharepoint/v3/contenttype/forms">
   <Display>DocumentLibraryForm</Display>
@@ -45718,25 +45761,49 @@
 </FormTemplates>
 </file>
 
-<file path=customXml/item7.xml><?xml version="1.0" encoding="utf-8"?>
-<Control xmlns="http://schemas.microsoft.com/VisualStudio/2011/storyboarding/control">
-  <Id Name="369f9055-6b6c-48b9-9320-5df2d46c430a" Revision="1" Stencil="7276b9ef-3953-4dce-a89b-ed85f20b8b93" StencilVersion="1.0"/>
-</Control>
+<file path=customXml/itemProps1.xml><?xml version="1.0" encoding="utf-8"?>
+<ds:datastoreItem xmlns:ds="http://schemas.openxmlformats.org/officeDocument/2006/customXml" ds:itemID="{C63AC2F0-1DEB-4E91-A88A-7A014A172F4F}">
+  <ds:schemaRefs>
+    <ds:schemaRef ds:uri="http://schemas.microsoft.com/VisualStudio/2011/storyboarding/control"/>
+  </ds:schemaRefs>
+</ds:datastoreItem>
 </file>
 
-<file path=customXml/item8.xml><?xml version="1.0" encoding="utf-8"?>
-<Control xmlns="http://schemas.microsoft.com/VisualStudio/2011/storyboarding/control">
-  <Id Name="a2191c86-fc50-4add-948c-129f6b5a88d8" Revision="1" Stencil="7276b9ef-3953-4dce-a89b-ed85f20b8b93" StencilVersion="1.0"/>
-</Control>
+<file path=customXml/itemProps10.xml><?xml version="1.0" encoding="utf-8"?>
+<ds:datastoreItem xmlns:ds="http://schemas.openxmlformats.org/officeDocument/2006/customXml" ds:itemID="{A04E0FB3-C79D-4C6D-950F-4E1E151C9D70}">
+  <ds:schemaRefs>
+    <ds:schemaRef ds:uri="http://schemas.microsoft.com/sharepoint/v3/contenttype/forms"/>
+  </ds:schemaRefs>
+</ds:datastoreItem>
 </file>
 
-<file path=customXml/item9.xml><?xml version="1.0" encoding="utf-8"?>
-<Control xmlns="http://schemas.microsoft.com/VisualStudio/2011/storyboarding/control">
-  <Id Name="fb22c541-ded0-47fa-8877-83a4c2d16227" Revision="1" Stencil="7276b9ef-3953-4dce-a89b-ed85f20b8b93" StencilVersion="1.0"/>
-</Control>
+<file path=customXml/itemProps11.xml><?xml version="1.0" encoding="utf-8"?>
+<ds:datastoreItem xmlns:ds="http://schemas.openxmlformats.org/officeDocument/2006/customXml" ds:itemID="{1C76383C-FD09-474B-94B3-126FB1A7D094}">
+  <ds:schemaRefs>
+    <ds:schemaRef ds:uri="http://schemas.microsoft.com/office/2006/metadata/properties"/>
+    <ds:schemaRef ds:uri="http://schemas.microsoft.com/office/infopath/2007/PartnerControls"/>
+    <ds:schemaRef ds:uri="83cd2334-221a-48c3-9034-bfd1542dfe28"/>
+  </ds:schemaRefs>
+</ds:datastoreItem>
 </file>
 
-<file path=customXml/itemProps1.xml><?xml version="1.0" encoding="utf-8"?>
+<file path=customXml/itemProps12.xml><?xml version="1.0" encoding="utf-8"?>
+<ds:datastoreItem xmlns:ds="http://schemas.openxmlformats.org/officeDocument/2006/customXml" ds:itemID="{0282FB20-2D4C-459D-8468-77D1D3C6925D}">
+  <ds:schemaRefs>
+    <ds:schemaRef ds:uri="http://schemas.microsoft.com/VisualStudio/2011/storyboarding/control"/>
+  </ds:schemaRefs>
+</ds:datastoreItem>
+</file>
+
+<file path=customXml/itemProps13.xml><?xml version="1.0" encoding="utf-8"?>
+<ds:datastoreItem xmlns:ds="http://schemas.openxmlformats.org/officeDocument/2006/customXml" ds:itemID="{ED350DFE-2319-4AB0-BC96-1D36D125365A}">
+  <ds:schemaRefs>
+    <ds:schemaRef ds:uri="http://schemas.microsoft.com/VisualStudio/2011/storyboarding/control"/>
+  </ds:schemaRefs>
+</ds:datastoreItem>
+</file>
+
+<file path=customXml/itemProps14.xml><?xml version="1.0" encoding="utf-8"?>
 <ds:datastoreItem xmlns:ds="http://schemas.openxmlformats.org/officeDocument/2006/customXml" ds:itemID="{B18102BA-C10B-41D1-8610-3D321D638DD2}">
   <ds:schemaRefs>
     <ds:schemaRef ds:uri="http://schemas.microsoft.com/office/2006/metadata/properties"/>
@@ -45746,16 +45813,16 @@
 </ds:datastoreItem>
 </file>
 
-<file path=customXml/itemProps10.xml><?xml version="1.0" encoding="utf-8"?>
-<ds:datastoreItem xmlns:ds="http://schemas.openxmlformats.org/officeDocument/2006/customXml" ds:itemID="{376216F9-AF6B-4844-AE8C-B9F953F916AB}">
+<file path=customXml/itemProps15.xml><?xml version="1.0" encoding="utf-8"?>
+<ds:datastoreItem xmlns:ds="http://schemas.openxmlformats.org/officeDocument/2006/customXml" ds:itemID="{F785A8A3-C23B-4FA9-8A9A-19A360466D01}">
   <ds:schemaRefs>
-    <ds:schemaRef ds:uri="http://schemas.microsoft.com/VisualStudio/2011/storyboarding/control"/>
+    <ds:schemaRef ds:uri="http://schemas.microsoft.com/sharepoint/v3/contenttype/forms"/>
   </ds:schemaRefs>
 </ds:datastoreItem>
 </file>
 
-<file path=customXml/itemProps11.xml><?xml version="1.0" encoding="utf-8"?>
-<ds:datastoreItem xmlns:ds="http://schemas.openxmlformats.org/officeDocument/2006/customXml" ds:itemID="{6018CCD6-C254-44D3-91D5-EC4D81FDEBEC}">
+<file path=customXml/itemProps16.xml><?xml version="1.0" encoding="utf-8"?>
+<ds:datastoreItem xmlns:ds="http://schemas.openxmlformats.org/officeDocument/2006/customXml" ds:itemID="{CA892322-6599-4C5A-B402-BE6DBAED9B8E}">
   <ds:schemaRefs>
     <ds:schemaRef ds:uri="http://schemas.microsoft.com/office/2006/metadata/properties"/>
     <ds:schemaRef ds:uri="http://schemas.microsoft.com/office/infopath/2007/PartnerControls"/>
@@ -45764,31 +45831,7 @@
 </ds:datastoreItem>
 </file>
 
-<file path=customXml/itemProps12.xml><?xml version="1.0" encoding="utf-8"?>
-<ds:datastoreItem xmlns:ds="http://schemas.openxmlformats.org/officeDocument/2006/customXml" ds:itemID="{3C954CC5-1CAC-4EC3-9791-8630483065B9}">
-  <ds:schemaRefs>
-    <ds:schemaRef ds:uri="http://schemas.microsoft.com/VisualStudio/2011/storyboarding/control"/>
-  </ds:schemaRefs>
-</ds:datastoreItem>
-</file>
-
-<file path=customXml/itemProps13.xml><?xml version="1.0" encoding="utf-8"?>
-<ds:datastoreItem xmlns:ds="http://schemas.openxmlformats.org/officeDocument/2006/customXml" ds:itemID="{21F6B647-976A-41D0-B760-9DF9DFC6AE3C}">
-  <ds:schemaRefs>
-    <ds:schemaRef ds:uri="http://schemas.microsoft.com/VisualStudio/2011/storyboarding/control"/>
-  </ds:schemaRefs>
-</ds:datastoreItem>
-</file>
-
-<file path=customXml/itemProps14.xml><?xml version="1.0" encoding="utf-8"?>
-<ds:datastoreItem xmlns:ds="http://schemas.openxmlformats.org/officeDocument/2006/customXml" ds:itemID="{71AE1ABA-EE71-4D7C-AE19-D2A04FC317D0}">
-  <ds:schemaRefs>
-    <ds:schemaRef ds:uri="http://schemas.microsoft.com/sharepoint/v3/contenttype/forms"/>
-  </ds:schemaRefs>
-</ds:datastoreItem>
-</file>
-
-<file path=customXml/itemProps15.xml><?xml version="1.0" encoding="utf-8"?>
+<file path=customXml/itemProps17.xml><?xml version="1.0" encoding="utf-8"?>
 <ds:datastoreItem xmlns:ds="http://schemas.openxmlformats.org/officeDocument/2006/customXml" ds:itemID="{F8161C77-CF0F-4477-84AB-9F5BE9DE94F0}">
   <ds:schemaRefs>
     <ds:schemaRef ds:uri="http://schemas.microsoft.com/office/2006/metadata/properties"/>
@@ -45798,26 +45841,8 @@
 </ds:datastoreItem>
 </file>
 
-<file path=customXml/itemProps16.xml><?xml version="1.0" encoding="utf-8"?>
-<ds:datastoreItem xmlns:ds="http://schemas.openxmlformats.org/officeDocument/2006/customXml" ds:itemID="{FE651ABA-5DC1-4ABD-A06E-055AE54B337B}">
-  <ds:schemaRefs>
-    <ds:schemaRef ds:uri="http://schemas.microsoft.com/VisualStudio/2011/storyboarding/control"/>
-  </ds:schemaRefs>
-</ds:datastoreItem>
-</file>
-
-<file path=customXml/itemProps17.xml><?xml version="1.0" encoding="utf-8"?>
-<ds:datastoreItem xmlns:ds="http://schemas.openxmlformats.org/officeDocument/2006/customXml" ds:itemID="{6B54639E-AC34-4B67-A9D5-6F9852696283}">
-  <ds:schemaRefs>
-    <ds:schemaRef ds:uri="http://schemas.microsoft.com/office/2006/metadata/properties"/>
-    <ds:schemaRef ds:uri="http://schemas.microsoft.com/office/infopath/2007/PartnerControls"/>
-    <ds:schemaRef ds:uri="83cd2334-221a-48c3-9034-bfd1542dfe28"/>
-  </ds:schemaRefs>
-</ds:datastoreItem>
-</file>
-
 <file path=customXml/itemProps18.xml><?xml version="1.0" encoding="utf-8"?>
-<ds:datastoreItem xmlns:ds="http://schemas.openxmlformats.org/officeDocument/2006/customXml" ds:itemID="{3DC6CABD-46E1-4C27-A0B3-616DC56F8E5C}">
+<ds:datastoreItem xmlns:ds="http://schemas.openxmlformats.org/officeDocument/2006/customXml" ds:itemID="{366CA990-F93D-4100-9654-65D9E30F4E1C}">
   <ds:schemaRefs>
     <ds:schemaRef ds:uri="http://schemas.microsoft.com/VisualStudio/2011/storyboarding/control"/>
   </ds:schemaRefs>
@@ -45825,6 +45850,38 @@
 </file>
 
 <file path=customXml/itemProps19.xml><?xml version="1.0" encoding="utf-8"?>
+<ds:datastoreItem xmlns:ds="http://schemas.openxmlformats.org/officeDocument/2006/customXml" ds:itemID="{432851C6-BC05-4673-B853-6D08AB80CDC4}">
+  <ds:schemaRefs>
+    <ds:schemaRef ds:uri="http://schemas.microsoft.com/VisualStudio/2011/storyboarding/control"/>
+  </ds:schemaRefs>
+</ds:datastoreItem>
+</file>
+
+<file path=customXml/itemProps2.xml><?xml version="1.0" encoding="utf-8"?>
+<ds:datastoreItem xmlns:ds="http://schemas.openxmlformats.org/officeDocument/2006/customXml" ds:itemID="{4B16F4FE-7C26-4443-B426-81998D23ED87}">
+  <ds:schemaRefs>
+    <ds:schemaRef ds:uri="http://schemas.microsoft.com/VisualStudio/2011/storyboarding/control"/>
+  </ds:schemaRefs>
+</ds:datastoreItem>
+</file>
+
+<file path=customXml/itemProps20.xml><?xml version="1.0" encoding="utf-8"?>
+<ds:datastoreItem xmlns:ds="http://schemas.openxmlformats.org/officeDocument/2006/customXml" ds:itemID="{08C4EE12-DF69-4FFC-9E40-C7991F3490A6}">
+  <ds:schemaRefs>
+    <ds:schemaRef ds:uri="http://schemas.microsoft.com/VisualStudio/2011/storyboarding/control"/>
+  </ds:schemaRefs>
+</ds:datastoreItem>
+</file>
+
+<file path=customXml/itemProps21.xml><?xml version="1.0" encoding="utf-8"?>
+<ds:datastoreItem xmlns:ds="http://schemas.openxmlformats.org/officeDocument/2006/customXml" ds:itemID="{4E805D65-1532-4BB0-8F41-8013167C0009}">
+  <ds:schemaRefs>
+    <ds:schemaRef ds:uri="http://schemas.microsoft.com/VisualStudio/2011/storyboarding/control"/>
+  </ds:schemaRefs>
+</ds:datastoreItem>
+</file>
+
+<file path=customXml/itemProps22.xml><?xml version="1.0" encoding="utf-8"?>
 <ds:datastoreItem xmlns:ds="http://schemas.openxmlformats.org/officeDocument/2006/customXml" ds:itemID="{B5105A87-47B6-44F6-97FD-4619C0556604}">
   <ds:schemaRefs>
     <ds:schemaRef ds:uri="http://schemas.microsoft.com/VisualStudio/2011/storyboarding/control"/>
@@ -45832,31 +45889,47 @@
 </ds:datastoreItem>
 </file>
 
-<file path=customXml/itemProps2.xml><?xml version="1.0" encoding="utf-8"?>
-<ds:datastoreItem xmlns:ds="http://schemas.openxmlformats.org/officeDocument/2006/customXml" ds:itemID="{4C1B3C27-4803-4D72-A3F8-6668A3F0A24B}">
+<file path=customXml/itemProps23.xml><?xml version="1.0" encoding="utf-8"?>
+<ds:datastoreItem xmlns:ds="http://schemas.openxmlformats.org/officeDocument/2006/customXml" ds:itemID="{376216F9-AF6B-4844-AE8C-B9F953F916AB}">
   <ds:schemaRefs>
     <ds:schemaRef ds:uri="http://schemas.microsoft.com/VisualStudio/2011/storyboarding/control"/>
   </ds:schemaRefs>
 </ds:datastoreItem>
 </file>
 
-<file path=customXml/itemProps20.xml><?xml version="1.0" encoding="utf-8"?>
-<ds:datastoreItem xmlns:ds="http://schemas.openxmlformats.org/officeDocument/2006/customXml" ds:itemID="{F68D8396-E21C-4AFF-8FDD-70D00673D0EE}">
+<file path=customXml/itemProps24.xml><?xml version="1.0" encoding="utf-8"?>
+<ds:datastoreItem xmlns:ds="http://schemas.openxmlformats.org/officeDocument/2006/customXml" ds:itemID="{1EF25EC2-965B-4491-9691-6B806C9E3B8B}">
+  <ds:schemaRefs>
+    <ds:schemaRef ds:uri="http://schemas.microsoft.com/sharepoint/v3/contenttype/forms"/>
+  </ds:schemaRefs>
+</ds:datastoreItem>
+</file>
+
+<file path=customXml/itemProps25.xml><?xml version="1.0" encoding="utf-8"?>
+<ds:datastoreItem xmlns:ds="http://schemas.openxmlformats.org/officeDocument/2006/customXml" ds:itemID="{38217AA1-CC95-49A9-B284-2ED4D347D7CA}">
   <ds:schemaRefs>
     <ds:schemaRef ds:uri="http://schemas.microsoft.com/VisualStudio/2011/storyboarding/control"/>
   </ds:schemaRefs>
 </ds:datastoreItem>
 </file>
 
-<file path=customXml/itemProps21.xml><?xml version="1.0" encoding="utf-8"?>
-<ds:datastoreItem xmlns:ds="http://schemas.openxmlformats.org/officeDocument/2006/customXml" ds:itemID="{8BD595CA-AC5E-43B9-B966-E468A16E8322}">
+<file path=customXml/itemProps26.xml><?xml version="1.0" encoding="utf-8"?>
+<ds:datastoreItem xmlns:ds="http://schemas.openxmlformats.org/officeDocument/2006/customXml" ds:itemID="{42D603BF-B513-4201-A599-21BA0F4FFC40}">
   <ds:schemaRefs>
     <ds:schemaRef ds:uri="http://schemas.microsoft.com/VisualStudio/2011/storyboarding/control"/>
   </ds:schemaRefs>
 </ds:datastoreItem>
 </file>
 
-<file path=customXml/itemProps22.xml><?xml version="1.0" encoding="utf-8"?>
+<file path=customXml/itemProps27.xml><?xml version="1.0" encoding="utf-8"?>
+<ds:datastoreItem xmlns:ds="http://schemas.openxmlformats.org/officeDocument/2006/customXml" ds:itemID="{71AE1ABA-EE71-4D7C-AE19-D2A04FC317D0}">
+  <ds:schemaRefs>
+    <ds:schemaRef ds:uri="http://schemas.microsoft.com/sharepoint/v3/contenttype/forms"/>
+  </ds:schemaRefs>
+</ds:datastoreItem>
+</file>
+
+<file path=customXml/itemProps28.xml><?xml version="1.0" encoding="utf-8"?>
 <ds:datastoreItem xmlns:ds="http://schemas.openxmlformats.org/officeDocument/2006/customXml" ds:itemID="{11F98F69-7518-4AE2-AE7B-E037DC9DDC97}">
   <ds:schemaRefs>
     <ds:schemaRef ds:uri="http://schemas.microsoft.com/office/2006/metadata/contentType"/>
@@ -45874,39 +45947,7 @@
 </ds:datastoreItem>
 </file>
 
-<file path=customXml/itemProps23.xml><?xml version="1.0" encoding="utf-8"?>
-<ds:datastoreItem xmlns:ds="http://schemas.openxmlformats.org/officeDocument/2006/customXml" ds:itemID="{366CA990-F93D-4100-9654-65D9E30F4E1C}">
-  <ds:schemaRefs>
-    <ds:schemaRef ds:uri="http://schemas.microsoft.com/VisualStudio/2011/storyboarding/control"/>
-  </ds:schemaRefs>
-</ds:datastoreItem>
-</file>
-
-<file path=customXml/itemProps24.xml><?xml version="1.0" encoding="utf-8"?>
-<ds:datastoreItem xmlns:ds="http://schemas.openxmlformats.org/officeDocument/2006/customXml" ds:itemID="{8893E80D-6D0C-4E0F-AA22-E5615BB87E5B}">
-  <ds:schemaRefs>
-    <ds:schemaRef ds:uri="http://schemas.microsoft.com/VisualStudio/2011/storyboarding/control"/>
-  </ds:schemaRefs>
-</ds:datastoreItem>
-</file>
-
-<file path=customXml/itemProps25.xml><?xml version="1.0" encoding="utf-8"?>
-<ds:datastoreItem xmlns:ds="http://schemas.openxmlformats.org/officeDocument/2006/customXml" ds:itemID="{7959CC6A-F423-4783-B968-3BCC86A7394E}">
-  <ds:schemaRefs>
-    <ds:schemaRef ds:uri="http://schemas.microsoft.com/VisualStudio/2011/storyboarding/control"/>
-  </ds:schemaRefs>
-</ds:datastoreItem>
-</file>
-
-<file path=customXml/itemProps26.xml><?xml version="1.0" encoding="utf-8"?>
-<ds:datastoreItem xmlns:ds="http://schemas.openxmlformats.org/officeDocument/2006/customXml" ds:itemID="{4E8278DB-3CDD-48A7-992E-A7596AD335B9}">
-  <ds:schemaRefs>
-    <ds:schemaRef ds:uri="http://schemas.microsoft.com/VisualStudio/2011/storyboarding/control"/>
-  </ds:schemaRefs>
-</ds:datastoreItem>
-</file>
-
-<file path=customXml/itemProps27.xml><?xml version="1.0" encoding="utf-8"?>
+<file path=customXml/itemProps29.xml><?xml version="1.0" encoding="utf-8"?>
 <ds:datastoreItem xmlns:ds="http://schemas.openxmlformats.org/officeDocument/2006/customXml" ds:itemID="{084E0550-E761-4ECF-B70B-F78D76F55320}">
   <ds:schemaRefs>
     <ds:schemaRef ds:uri="http://schemas.microsoft.com/sharepoint/v3/contenttype/forms"/>
@@ -45914,26 +45955,10 @@
 </ds:datastoreItem>
 </file>
 
-<file path=customXml/itemProps28.xml><?xml version="1.0" encoding="utf-8"?>
-<ds:datastoreItem xmlns:ds="http://schemas.openxmlformats.org/officeDocument/2006/customXml" ds:itemID="{432851C6-BC05-4673-B853-6D08AB80CDC4}">
+<file path=customXml/itemProps3.xml><?xml version="1.0" encoding="utf-8"?>
+<ds:datastoreItem xmlns:ds="http://schemas.openxmlformats.org/officeDocument/2006/customXml" ds:itemID="{82DB428A-B8F8-483F-8276-095629A8ECDB}">
   <ds:schemaRefs>
     <ds:schemaRef ds:uri="http://schemas.microsoft.com/VisualStudio/2011/storyboarding/control"/>
-  </ds:schemaRefs>
-</ds:datastoreItem>
-</file>
-
-<file path=customXml/itemProps29.xml><?xml version="1.0" encoding="utf-8"?>
-<ds:datastoreItem xmlns:ds="http://schemas.openxmlformats.org/officeDocument/2006/customXml" ds:itemID="{8E7D1C6F-2F1C-4FF7-8E81-B00199180E81}">
-  <ds:schemaRefs>
-    <ds:schemaRef ds:uri="http://schemas.microsoft.com/sharepoint/v3/contenttype/forms"/>
-  </ds:schemaRefs>
-</ds:datastoreItem>
-</file>
-
-<file path=customXml/itemProps3.xml><?xml version="1.0" encoding="utf-8"?>
-<ds:datastoreItem xmlns:ds="http://schemas.openxmlformats.org/officeDocument/2006/customXml" ds:itemID="{758FDAC0-319D-4A54-8D8E-1D42CB1F8004}">
-  <ds:schemaRefs>
-    <ds:schemaRef ds:uri="http://schemas.microsoft.com/sharepoint/v3/contenttype/forms"/>
   </ds:schemaRefs>
 </ds:datastoreItem>
 </file>
@@ -45949,22 +45974,108 @@
 </file>
 
 <file path=customXml/itemProps31.xml><?xml version="1.0" encoding="utf-8"?>
-<ds:datastoreItem xmlns:ds="http://schemas.openxmlformats.org/officeDocument/2006/customXml" ds:itemID="{1EF25EC2-965B-4491-9691-6B806C9E3B8B}">
+<ds:datastoreItem xmlns:ds="http://schemas.openxmlformats.org/officeDocument/2006/customXml" ds:itemID="{D4B5F268-5930-44CD-BDF1-D0A04D4BBC1C}">
+  <ds:schemaRefs>
+    <ds:schemaRef ds:uri="http://schemas.microsoft.com/VisualStudio/2011/storyboarding/control"/>
+  </ds:schemaRefs>
+</ds:datastoreItem>
+</file>
+
+<file path=customXml/itemProps32.xml><?xml version="1.0" encoding="utf-8"?>
+<ds:datastoreItem xmlns:ds="http://schemas.openxmlformats.org/officeDocument/2006/customXml" ds:itemID="{67213E6F-7B96-4222-888B-63710B06D885}">
+  <ds:schemaRefs>
+    <ds:schemaRef ds:uri="http://schemas.microsoft.com/VisualStudio/2011/storyboarding/control"/>
+  </ds:schemaRefs>
+</ds:datastoreItem>
+</file>
+
+<file path=customXml/itemProps33.xml><?xml version="1.0" encoding="utf-8"?>
+<ds:datastoreItem xmlns:ds="http://schemas.openxmlformats.org/officeDocument/2006/customXml" ds:itemID="{470353D1-3545-4BE2-A17C-548BF46AD9BC}">
   <ds:schemaRefs>
     <ds:schemaRef ds:uri="http://schemas.microsoft.com/sharepoint/v3/contenttype/forms"/>
   </ds:schemaRefs>
 </ds:datastoreItem>
 </file>
 
-<file path=customXml/itemProps32.xml><?xml version="1.0" encoding="utf-8"?>
-<ds:datastoreItem xmlns:ds="http://schemas.openxmlformats.org/officeDocument/2006/customXml" ds:itemID="{2F30C844-8093-47D2-A9B2-B7BEE821CE68}">
+<file path=customXml/itemProps34.xml><?xml version="1.0" encoding="utf-8"?>
+<ds:datastoreItem xmlns:ds="http://schemas.openxmlformats.org/officeDocument/2006/customXml" ds:itemID="{4D2DC492-0615-4887-9A7E-502F1DC6E1B8}">
+  <ds:schemaRefs>
+    <ds:schemaRef ds:uri="http://schemas.microsoft.com/office/2006/metadata/properties"/>
+    <ds:schemaRef ds:uri="http://schemas.microsoft.com/office/infopath/2007/PartnerControls"/>
+    <ds:schemaRef ds:uri="83cd2334-221a-48c3-9034-bfd1542dfe28"/>
+  </ds:schemaRefs>
+</ds:datastoreItem>
+</file>
+
+<file path=customXml/itemProps35.xml><?xml version="1.0" encoding="utf-8"?>
+<ds:datastoreItem xmlns:ds="http://schemas.openxmlformats.org/officeDocument/2006/customXml" ds:itemID="{D6FEE829-2115-45B4-8110-670FD454542B}">
+  <ds:schemaRefs>
+    <ds:schemaRef ds:uri="http://schemas.microsoft.com/VisualStudio/2011/storyboarding/control"/>
+  </ds:schemaRefs>
+</ds:datastoreItem>
+</file>
+
+<file path=customXml/itemProps36.xml><?xml version="1.0" encoding="utf-8"?>
+<ds:datastoreItem xmlns:ds="http://schemas.openxmlformats.org/officeDocument/2006/customXml" ds:itemID="{0B54C583-7BAB-4080-8093-C5F84F5A225A}">
+  <ds:schemaRefs>
+    <ds:schemaRef ds:uri="http://schemas.microsoft.com/VisualStudio/2011/storyboarding/control"/>
+  </ds:schemaRefs>
+</ds:datastoreItem>
+</file>
+
+<file path=customXml/itemProps37.xml><?xml version="1.0" encoding="utf-8"?>
+<ds:datastoreItem xmlns:ds="http://schemas.openxmlformats.org/officeDocument/2006/customXml" ds:itemID="{E692D73E-1478-4790-BEEC-C5C534998F40}">
+  <ds:schemaRefs>
+    <ds:schemaRef ds:uri="http://schemas.microsoft.com/office/2006/metadata/properties"/>
+    <ds:schemaRef ds:uri="http://schemas.microsoft.com/office/infopath/2007/PartnerControls"/>
+    <ds:schemaRef ds:uri="83cd2334-221a-48c3-9034-bfd1542dfe28"/>
+  </ds:schemaRefs>
+</ds:datastoreItem>
+</file>
+
+<file path=customXml/itemProps38.xml><?xml version="1.0" encoding="utf-8"?>
+<ds:datastoreItem xmlns:ds="http://schemas.openxmlformats.org/officeDocument/2006/customXml" ds:itemID="{758FDAC0-319D-4A54-8D8E-1D42CB1F8004}">
   <ds:schemaRefs>
     <ds:schemaRef ds:uri="http://schemas.microsoft.com/sharepoint/v3/contenttype/forms"/>
   </ds:schemaRefs>
 </ds:datastoreItem>
 </file>
 
-<file path=customXml/itemProps33.xml><?xml version="1.0" encoding="utf-8"?>
+<file path=customXml/itemProps39.xml><?xml version="1.0" encoding="utf-8"?>
+<ds:datastoreItem xmlns:ds="http://schemas.openxmlformats.org/officeDocument/2006/customXml" ds:itemID="{3C954CC5-1CAC-4EC3-9791-8630483065B9}">
+  <ds:schemaRefs>
+    <ds:schemaRef ds:uri="http://schemas.microsoft.com/VisualStudio/2011/storyboarding/control"/>
+  </ds:schemaRefs>
+</ds:datastoreItem>
+</file>
+
+<file path=customXml/itemProps4.xml><?xml version="1.0" encoding="utf-8"?>
+<ds:datastoreItem xmlns:ds="http://schemas.openxmlformats.org/officeDocument/2006/customXml" ds:itemID="{4C1B3C27-4803-4D72-A3F8-6668A3F0A24B}">
+  <ds:schemaRefs>
+    <ds:schemaRef ds:uri="http://schemas.microsoft.com/VisualStudio/2011/storyboarding/control"/>
+  </ds:schemaRefs>
+</ds:datastoreItem>
+</file>
+
+<file path=customXml/itemProps40.xml><?xml version="1.0" encoding="utf-8"?>
+<ds:datastoreItem xmlns:ds="http://schemas.openxmlformats.org/officeDocument/2006/customXml" ds:itemID="{6B54639E-AC34-4B67-A9D5-6F9852696283}">
+  <ds:schemaRefs>
+    <ds:schemaRef ds:uri="http://schemas.microsoft.com/office/2006/metadata/properties"/>
+    <ds:schemaRef ds:uri="http://schemas.microsoft.com/office/infopath/2007/PartnerControls"/>
+    <ds:schemaRef ds:uri="83cd2334-221a-48c3-9034-bfd1542dfe28"/>
+  </ds:schemaRefs>
+</ds:datastoreItem>
+</file>
+
+<file path=customXml/itemProps41.xml><?xml version="1.0" encoding="utf-8"?>
+<ds:datastoreItem xmlns:ds="http://schemas.openxmlformats.org/officeDocument/2006/customXml" ds:itemID="{7959CC6A-F423-4783-B968-3BCC86A7394E}">
+  <ds:schemaRefs>
+    <ds:schemaRef ds:uri="http://schemas.microsoft.com/VisualStudio/2011/storyboarding/control"/>
+  </ds:schemaRefs>
+</ds:datastoreItem>
+</file>
+
+<file path=customXml/itemProps42.xml><?xml version="1.0" encoding="utf-8"?>
 <ds:datastoreItem xmlns:ds="http://schemas.openxmlformats.org/officeDocument/2006/customXml" ds:itemID="{473A6A21-7521-4B81-9336-9B587BA12275}">
   <ds:schemaRefs>
     <ds:schemaRef ds:uri="http://schemas.microsoft.com/office/2006/metadata/properties"/>
@@ -45974,39 +46085,7 @@
 </ds:datastoreItem>
 </file>
 
-<file path=customXml/itemProps34.xml><?xml version="1.0" encoding="utf-8"?>
-<ds:datastoreItem xmlns:ds="http://schemas.openxmlformats.org/officeDocument/2006/customXml" ds:itemID="{C63AC2F0-1DEB-4E91-A88A-7A014A172F4F}">
-  <ds:schemaRefs>
-    <ds:schemaRef ds:uri="http://schemas.microsoft.com/VisualStudio/2011/storyboarding/control"/>
-  </ds:schemaRefs>
-</ds:datastoreItem>
-</file>
-
-<file path=customXml/itemProps35.xml><?xml version="1.0" encoding="utf-8"?>
-<ds:datastoreItem xmlns:ds="http://schemas.openxmlformats.org/officeDocument/2006/customXml" ds:itemID="{D4B5F268-5930-44CD-BDF1-D0A04D4BBC1C}">
-  <ds:schemaRefs>
-    <ds:schemaRef ds:uri="http://schemas.microsoft.com/VisualStudio/2011/storyboarding/control"/>
-  </ds:schemaRefs>
-</ds:datastoreItem>
-</file>
-
-<file path=customXml/itemProps36.xml><?xml version="1.0" encoding="utf-8"?>
-<ds:datastoreItem xmlns:ds="http://schemas.openxmlformats.org/officeDocument/2006/customXml" ds:itemID="{08C4EE12-DF69-4FFC-9E40-C7991F3490A6}">
-  <ds:schemaRefs>
-    <ds:schemaRef ds:uri="http://schemas.microsoft.com/VisualStudio/2011/storyboarding/control"/>
-  </ds:schemaRefs>
-</ds:datastoreItem>
-</file>
-
-<file path=customXml/itemProps37.xml><?xml version="1.0" encoding="utf-8"?>
-<ds:datastoreItem xmlns:ds="http://schemas.openxmlformats.org/officeDocument/2006/customXml" ds:itemID="{A04E0FB3-C79D-4C6D-950F-4E1E151C9D70}">
-  <ds:schemaRefs>
-    <ds:schemaRef ds:uri="http://schemas.microsoft.com/sharepoint/v3/contenttype/forms"/>
-  </ds:schemaRefs>
-</ds:datastoreItem>
-</file>
-
-<file path=customXml/itemProps38.xml><?xml version="1.0" encoding="utf-8"?>
+<file path=customXml/itemProps43.xml><?xml version="1.0" encoding="utf-8"?>
 <ds:datastoreItem xmlns:ds="http://schemas.openxmlformats.org/officeDocument/2006/customXml" ds:itemID="{6FB9D450-4C47-4A44-8C0D-C78D8A54C46F}">
   <ds:schemaRefs>
     <ds:schemaRef ds:uri="http://schemas.microsoft.com/VisualStudio/2011/storyboarding/control"/>
@@ -46014,7 +46093,63 @@
 </ds:datastoreItem>
 </file>
 
-<file path=customXml/itemProps39.xml><?xml version="1.0" encoding="utf-8"?>
+<file path=customXml/itemProps44.xml><?xml version="1.0" encoding="utf-8"?>
+<ds:datastoreItem xmlns:ds="http://schemas.openxmlformats.org/officeDocument/2006/customXml" ds:itemID="{C0F92A87-A216-45A9-B9C0-0515663D35BF}">
+  <ds:schemaRefs>
+    <ds:schemaRef ds:uri="http://schemas.microsoft.com/VisualStudio/2011/storyboarding/control"/>
+  </ds:schemaRefs>
+</ds:datastoreItem>
+</file>
+
+<file path=customXml/itemProps45.xml><?xml version="1.0" encoding="utf-8"?>
+<ds:datastoreItem xmlns:ds="http://schemas.openxmlformats.org/officeDocument/2006/customXml" ds:itemID="{F68D8396-E21C-4AFF-8FDD-70D00673D0EE}">
+  <ds:schemaRefs>
+    <ds:schemaRef ds:uri="http://schemas.microsoft.com/VisualStudio/2011/storyboarding/control"/>
+  </ds:schemaRefs>
+</ds:datastoreItem>
+</file>
+
+<file path=customXml/itemProps46.xml><?xml version="1.0" encoding="utf-8"?>
+<ds:datastoreItem xmlns:ds="http://schemas.openxmlformats.org/officeDocument/2006/customXml" ds:itemID="{8CFA17AA-8D1D-41BA-81E2-B1C9B1D8F8E0}">
+  <ds:schemaRefs>
+    <ds:schemaRef ds:uri="http://schemas.microsoft.com/sharepoint/v3/contenttype/forms"/>
+  </ds:schemaRefs>
+</ds:datastoreItem>
+</file>
+
+<file path=customXml/itemProps47.xml><?xml version="1.0" encoding="utf-8"?>
+<ds:datastoreItem xmlns:ds="http://schemas.openxmlformats.org/officeDocument/2006/customXml" ds:itemID="{4E8278DB-3CDD-48A7-992E-A7596AD335B9}">
+  <ds:schemaRefs>
+    <ds:schemaRef ds:uri="http://schemas.microsoft.com/VisualStudio/2011/storyboarding/control"/>
+  </ds:schemaRefs>
+</ds:datastoreItem>
+</file>
+
+<file path=customXml/itemProps48.xml><?xml version="1.0" encoding="utf-8"?>
+<ds:datastoreItem xmlns:ds="http://schemas.openxmlformats.org/officeDocument/2006/customXml" ds:itemID="{21F6B647-976A-41D0-B760-9DF9DFC6AE3C}">
+  <ds:schemaRefs>
+    <ds:schemaRef ds:uri="http://schemas.microsoft.com/VisualStudio/2011/storyboarding/control"/>
+  </ds:schemaRefs>
+</ds:datastoreItem>
+</file>
+
+<file path=customXml/itemProps49.xml><?xml version="1.0" encoding="utf-8"?>
+<ds:datastoreItem xmlns:ds="http://schemas.openxmlformats.org/officeDocument/2006/customXml" ds:itemID="{3DC6CABD-46E1-4C27-A0B3-616DC56F8E5C}">
+  <ds:schemaRefs>
+    <ds:schemaRef ds:uri="http://schemas.microsoft.com/VisualStudio/2011/storyboarding/control"/>
+  </ds:schemaRefs>
+</ds:datastoreItem>
+</file>
+
+<file path=customXml/itemProps5.xml><?xml version="1.0" encoding="utf-8"?>
+<ds:datastoreItem xmlns:ds="http://schemas.openxmlformats.org/officeDocument/2006/customXml" ds:itemID="{FE651ABA-5DC1-4ABD-A06E-055AE54B337B}">
+  <ds:schemaRefs>
+    <ds:schemaRef ds:uri="http://schemas.microsoft.com/VisualStudio/2011/storyboarding/control"/>
+  </ds:schemaRefs>
+</ds:datastoreItem>
+</file>
+
+<file path=customXml/itemProps50.xml><?xml version="1.0" encoding="utf-8"?>
 <ds:datastoreItem xmlns:ds="http://schemas.openxmlformats.org/officeDocument/2006/customXml" ds:itemID="{8257D6BC-B71E-4D95-81E4-A1D4A8174168}">
   <ds:schemaRefs>
     <ds:schemaRef ds:uri="http://schemas.microsoft.com/VisualStudio/2011/storyboarding/control"/>
@@ -46022,35 +46157,15 @@
 </ds:datastoreItem>
 </file>
 
-<file path=customXml/itemProps4.xml><?xml version="1.0" encoding="utf-8"?>
-<ds:datastoreItem xmlns:ds="http://schemas.openxmlformats.org/officeDocument/2006/customXml" ds:itemID="{4D2DC492-0615-4887-9A7E-502F1DC6E1B8}">
+<file path=customXml/itemProps51.xml><?xml version="1.0" encoding="utf-8"?>
+<ds:datastoreItem xmlns:ds="http://schemas.openxmlformats.org/officeDocument/2006/customXml" ds:itemID="{8BD595CA-AC5E-43B9-B966-E468A16E8322}">
   <ds:schemaRefs>
-    <ds:schemaRef ds:uri="http://schemas.microsoft.com/office/2006/metadata/properties"/>
-    <ds:schemaRef ds:uri="http://schemas.microsoft.com/office/infopath/2007/PartnerControls"/>
-    <ds:schemaRef ds:uri="83cd2334-221a-48c3-9034-bfd1542dfe28"/>
+    <ds:schemaRef ds:uri="http://schemas.microsoft.com/VisualStudio/2011/storyboarding/control"/>
   </ds:schemaRefs>
 </ds:datastoreItem>
 </file>
 
-<file path=customXml/itemProps40.xml><?xml version="1.0" encoding="utf-8"?>
-<ds:datastoreItem xmlns:ds="http://schemas.openxmlformats.org/officeDocument/2006/customXml" ds:itemID="{1C76383C-FD09-474B-94B3-126FB1A7D094}">
-  <ds:schemaRefs>
-    <ds:schemaRef ds:uri="http://schemas.microsoft.com/office/2006/metadata/properties"/>
-    <ds:schemaRef ds:uri="http://schemas.microsoft.com/office/infopath/2007/PartnerControls"/>
-    <ds:schemaRef ds:uri="83cd2334-221a-48c3-9034-bfd1542dfe28"/>
-  </ds:schemaRefs>
-</ds:datastoreItem>
-</file>
-
-<file path=customXml/itemProps41.xml><?xml version="1.0" encoding="utf-8"?>
-<ds:datastoreItem xmlns:ds="http://schemas.openxmlformats.org/officeDocument/2006/customXml" ds:itemID="{8CFA17AA-8D1D-41BA-81E2-B1C9B1D8F8E0}">
-  <ds:schemaRefs>
-    <ds:schemaRef ds:uri="http://schemas.microsoft.com/sharepoint/v3/contenttype/forms"/>
-  </ds:schemaRefs>
-</ds:datastoreItem>
-</file>
-
-<file path=customXml/itemProps42.xml><?xml version="1.0" encoding="utf-8"?>
+<file path=customXml/itemProps52.xml><?xml version="1.0" encoding="utf-8"?>
 <ds:datastoreItem xmlns:ds="http://schemas.openxmlformats.org/officeDocument/2006/customXml" ds:itemID="{9360AFB9-8F99-4E1B-878D-F2EBABEB164C}">
   <ds:schemaRefs>
     <ds:schemaRef ds:uri="http://schemas.microsoft.com/sharepoint/v3/contenttype/forms"/>
@@ -46058,39 +46173,7 @@
 </ds:datastoreItem>
 </file>
 
-<file path=customXml/itemProps43.xml><?xml version="1.0" encoding="utf-8"?>
-<ds:datastoreItem xmlns:ds="http://schemas.openxmlformats.org/officeDocument/2006/customXml" ds:itemID="{67213E6F-7B96-4222-888B-63710B06D885}">
-  <ds:schemaRefs>
-    <ds:schemaRef ds:uri="http://schemas.microsoft.com/VisualStudio/2011/storyboarding/control"/>
-  </ds:schemaRefs>
-</ds:datastoreItem>
-</file>
-
-<file path=customXml/itemProps44.xml><?xml version="1.0" encoding="utf-8"?>
-<ds:datastoreItem xmlns:ds="http://schemas.openxmlformats.org/officeDocument/2006/customXml" ds:itemID="{38217AA1-CC95-49A9-B284-2ED4D347D7CA}">
-  <ds:schemaRefs>
-    <ds:schemaRef ds:uri="http://schemas.microsoft.com/VisualStudio/2011/storyboarding/control"/>
-  </ds:schemaRefs>
-</ds:datastoreItem>
-</file>
-
-<file path=customXml/itemProps45.xml><?xml version="1.0" encoding="utf-8"?>
-<ds:datastoreItem xmlns:ds="http://schemas.openxmlformats.org/officeDocument/2006/customXml" ds:itemID="{0282FB20-2D4C-459D-8468-77D1D3C6925D}">
-  <ds:schemaRefs>
-    <ds:schemaRef ds:uri="http://schemas.microsoft.com/VisualStudio/2011/storyboarding/control"/>
-  </ds:schemaRefs>
-</ds:datastoreItem>
-</file>
-
-<file path=customXml/itemProps46.xml><?xml version="1.0" encoding="utf-8"?>
-<ds:datastoreItem xmlns:ds="http://schemas.openxmlformats.org/officeDocument/2006/customXml" ds:itemID="{C0F92A87-A216-45A9-B9C0-0515663D35BF}">
-  <ds:schemaRefs>
-    <ds:schemaRef ds:uri="http://schemas.microsoft.com/VisualStudio/2011/storyboarding/control"/>
-  </ds:schemaRefs>
-</ds:datastoreItem>
-</file>
-
-<file path=customXml/itemProps47.xml><?xml version="1.0" encoding="utf-8"?>
+<file path=customXml/itemProps53.xml><?xml version="1.0" encoding="utf-8"?>
 <ds:datastoreItem xmlns:ds="http://schemas.openxmlformats.org/officeDocument/2006/customXml" ds:itemID="{17A7EC28-79CF-44E6-BA48-85916A7F29F5}">
   <ds:schemaRefs>
     <ds:schemaRef ds:uri="http://schemas.microsoft.com/office/2006/metadata/properties"/>
@@ -46100,24 +46183,16 @@
 </ds:datastoreItem>
 </file>
 
-<file path=customXml/itemProps48.xml><?xml version="1.0" encoding="utf-8"?>
-<ds:datastoreItem xmlns:ds="http://schemas.openxmlformats.org/officeDocument/2006/customXml" ds:itemID="{470353D1-3545-4BE2-A17C-548BF46AD9BC}">
+<file path=customXml/itemProps6.xml><?xml version="1.0" encoding="utf-8"?>
+<ds:datastoreItem xmlns:ds="http://schemas.openxmlformats.org/officeDocument/2006/customXml" ds:itemID="{8E7D1C6F-2F1C-4FF7-8E81-B00199180E81}">
   <ds:schemaRefs>
     <ds:schemaRef ds:uri="http://schemas.microsoft.com/sharepoint/v3/contenttype/forms"/>
   </ds:schemaRefs>
 </ds:datastoreItem>
 </file>
 
-<file path=customXml/itemProps49.xml><?xml version="1.0" encoding="utf-8"?>
-<ds:datastoreItem xmlns:ds="http://schemas.openxmlformats.org/officeDocument/2006/customXml" ds:itemID="{4E805D65-1532-4BB0-8F41-8013167C0009}">
-  <ds:schemaRefs>
-    <ds:schemaRef ds:uri="http://schemas.microsoft.com/VisualStudio/2011/storyboarding/control"/>
-  </ds:schemaRefs>
-</ds:datastoreItem>
-</file>
-
-<file path=customXml/itemProps5.xml><?xml version="1.0" encoding="utf-8"?>
-<ds:datastoreItem xmlns:ds="http://schemas.openxmlformats.org/officeDocument/2006/customXml" ds:itemID="{CA892322-6599-4C5A-B402-BE6DBAED9B8E}">
+<file path=customXml/itemProps7.xml><?xml version="1.0" encoding="utf-8"?>
+<ds:datastoreItem xmlns:ds="http://schemas.openxmlformats.org/officeDocument/2006/customXml" ds:itemID="{6018CCD6-C254-44D3-91D5-EC4D81FDEBEC}">
   <ds:schemaRefs>
     <ds:schemaRef ds:uri="http://schemas.microsoft.com/office/2006/metadata/properties"/>
     <ds:schemaRef ds:uri="http://schemas.microsoft.com/office/infopath/2007/PartnerControls"/>
@@ -46126,58 +46201,8 @@
 </ds:datastoreItem>
 </file>
 
-<file path=customXml/itemProps50.xml><?xml version="1.0" encoding="utf-8"?>
-<ds:datastoreItem xmlns:ds="http://schemas.openxmlformats.org/officeDocument/2006/customXml" ds:itemID="{4B16F4FE-7C26-4443-B426-81998D23ED87}">
-  <ds:schemaRefs>
-    <ds:schemaRef ds:uri="http://schemas.microsoft.com/VisualStudio/2011/storyboarding/control"/>
-  </ds:schemaRefs>
-</ds:datastoreItem>
-</file>
-
-<file path=customXml/itemProps51.xml><?xml version="1.0" encoding="utf-8"?>
-<ds:datastoreItem xmlns:ds="http://schemas.openxmlformats.org/officeDocument/2006/customXml" ds:itemID="{E692D73E-1478-4790-BEEC-C5C534998F40}">
-  <ds:schemaRefs>
-    <ds:schemaRef ds:uri="http://schemas.microsoft.com/office/2006/metadata/properties"/>
-    <ds:schemaRef ds:uri="http://schemas.microsoft.com/office/infopath/2007/PartnerControls"/>
-    <ds:schemaRef ds:uri="83cd2334-221a-48c3-9034-bfd1542dfe28"/>
-  </ds:schemaRefs>
-</ds:datastoreItem>
-</file>
-
-<file path=customXml/itemProps52.xml><?xml version="1.0" encoding="utf-8"?>
-<ds:datastoreItem xmlns:ds="http://schemas.openxmlformats.org/officeDocument/2006/customXml" ds:itemID="{42D603BF-B513-4201-A599-21BA0F4FFC40}">
-  <ds:schemaRefs>
-    <ds:schemaRef ds:uri="http://schemas.microsoft.com/VisualStudio/2011/storyboarding/control"/>
-  </ds:schemaRefs>
-</ds:datastoreItem>
-</file>
-
-<file path=customXml/itemProps53.xml><?xml version="1.0" encoding="utf-8"?>
-<ds:datastoreItem xmlns:ds="http://schemas.openxmlformats.org/officeDocument/2006/customXml" ds:itemID="{ED350DFE-2319-4AB0-BC96-1D36D125365A}">
-  <ds:schemaRefs>
-    <ds:schemaRef ds:uri="http://schemas.microsoft.com/VisualStudio/2011/storyboarding/control"/>
-  </ds:schemaRefs>
-</ds:datastoreItem>
-</file>
-
-<file path=customXml/itemProps6.xml><?xml version="1.0" encoding="utf-8"?>
-<ds:datastoreItem xmlns:ds="http://schemas.openxmlformats.org/officeDocument/2006/customXml" ds:itemID="{F785A8A3-C23B-4FA9-8A9A-19A360466D01}">
-  <ds:schemaRefs>
-    <ds:schemaRef ds:uri="http://schemas.microsoft.com/sharepoint/v3/contenttype/forms"/>
-  </ds:schemaRefs>
-</ds:datastoreItem>
-</file>
-
-<file path=customXml/itemProps7.xml><?xml version="1.0" encoding="utf-8"?>
-<ds:datastoreItem xmlns:ds="http://schemas.openxmlformats.org/officeDocument/2006/customXml" ds:itemID="{82DB428A-B8F8-483F-8276-095629A8ECDB}">
-  <ds:schemaRefs>
-    <ds:schemaRef ds:uri="http://schemas.microsoft.com/VisualStudio/2011/storyboarding/control"/>
-  </ds:schemaRefs>
-</ds:datastoreItem>
-</file>
-
 <file path=customXml/itemProps8.xml><?xml version="1.0" encoding="utf-8"?>
-<ds:datastoreItem xmlns:ds="http://schemas.openxmlformats.org/officeDocument/2006/customXml" ds:itemID="{0B54C583-7BAB-4080-8093-C5F84F5A225A}">
+<ds:datastoreItem xmlns:ds="http://schemas.openxmlformats.org/officeDocument/2006/customXml" ds:itemID="{8893E80D-6D0C-4E0F-AA22-E5615BB87E5B}">
   <ds:schemaRefs>
     <ds:schemaRef ds:uri="http://schemas.microsoft.com/VisualStudio/2011/storyboarding/control"/>
   </ds:schemaRefs>
@@ -46185,9 +46210,9 @@
 </file>
 
 <file path=customXml/itemProps9.xml><?xml version="1.0" encoding="utf-8"?>
-<ds:datastoreItem xmlns:ds="http://schemas.openxmlformats.org/officeDocument/2006/customXml" ds:itemID="{D6FEE829-2115-45B4-8110-670FD454542B}">
+<ds:datastoreItem xmlns:ds="http://schemas.openxmlformats.org/officeDocument/2006/customXml" ds:itemID="{2F30C844-8093-47D2-A9B2-B7BEE821CE68}">
   <ds:schemaRefs>
-    <ds:schemaRef ds:uri="http://schemas.microsoft.com/VisualStudio/2011/storyboarding/control"/>
+    <ds:schemaRef ds:uri="http://schemas.microsoft.com/sharepoint/v3/contenttype/forms"/>
   </ds:schemaRefs>
 </ds:datastoreItem>
 </file>